--- a/demo-ng/training-materials/Telliant - Web-Angular-Typescript.pptx
+++ b/demo-ng/training-materials/Telliant - Web-Angular-Typescript.pptx
@@ -131,10 +131,6 @@
 </p:presentation>
 </file>
 
-<file path=ppt/revisionInfo.xml><?xml version="1.0" encoding="utf-8"?>
-<p1510:revInfo xmlns:a="http://schemas.openxmlformats.org/drawingml/2006/main" xmlns:r="http://schemas.openxmlformats.org/officeDocument/2006/relationships" xmlns:p1510="http://schemas.microsoft.com/office/powerpoint/2015/10/main"/>
-</file>
-
 <file path=ppt/slideLayouts/slideLayout1.xml><?xml version="1.0" encoding="utf-8"?>
 <p:sldLayout xmlns:a="http://schemas.openxmlformats.org/drawingml/2006/main" xmlns:r="http://schemas.openxmlformats.org/officeDocument/2006/relationships" xmlns:p="http://schemas.openxmlformats.org/presentationml/2006/main" type="title" preserve="1">
   <p:cSld name="Title Slide">
@@ -264,7 +260,7 @@
           <a:p>
             <a:fld id="{840DBF2F-EA99-4041-8A07-A009931458F1}" type="datetimeFigureOut">
               <a:rPr lang="en-US" smtClean="0"/>
-              <a:t>7/12/2019</a:t>
+              <a:t>7/14/2019</a:t>
             </a:fld>
             <a:endParaRPr lang="en-US"/>
           </a:p>
@@ -432,7 +428,7 @@
           <a:p>
             <a:fld id="{840DBF2F-EA99-4041-8A07-A009931458F1}" type="datetimeFigureOut">
               <a:rPr lang="en-US" smtClean="0"/>
-              <a:t>7/12/2019</a:t>
+              <a:t>7/14/2019</a:t>
             </a:fld>
             <a:endParaRPr lang="en-US"/>
           </a:p>
@@ -610,7 +606,7 @@
           <a:p>
             <a:fld id="{840DBF2F-EA99-4041-8A07-A009931458F1}" type="datetimeFigureOut">
               <a:rPr lang="en-US" smtClean="0"/>
-              <a:t>7/12/2019</a:t>
+              <a:t>7/14/2019</a:t>
             </a:fld>
             <a:endParaRPr lang="en-US"/>
           </a:p>
@@ -778,7 +774,7 @@
           <a:p>
             <a:fld id="{840DBF2F-EA99-4041-8A07-A009931458F1}" type="datetimeFigureOut">
               <a:rPr lang="en-US" smtClean="0"/>
-              <a:t>7/12/2019</a:t>
+              <a:t>7/14/2019</a:t>
             </a:fld>
             <a:endParaRPr lang="en-US"/>
           </a:p>
@@ -1023,7 +1019,7 @@
           <a:p>
             <a:fld id="{840DBF2F-EA99-4041-8A07-A009931458F1}" type="datetimeFigureOut">
               <a:rPr lang="en-US" smtClean="0"/>
-              <a:t>7/12/2019</a:t>
+              <a:t>7/14/2019</a:t>
             </a:fld>
             <a:endParaRPr lang="en-US"/>
           </a:p>
@@ -1252,7 +1248,7 @@
           <a:p>
             <a:fld id="{840DBF2F-EA99-4041-8A07-A009931458F1}" type="datetimeFigureOut">
               <a:rPr lang="en-US" smtClean="0"/>
-              <a:t>7/12/2019</a:t>
+              <a:t>7/14/2019</a:t>
             </a:fld>
             <a:endParaRPr lang="en-US"/>
           </a:p>
@@ -1616,7 +1612,7 @@
           <a:p>
             <a:fld id="{840DBF2F-EA99-4041-8A07-A009931458F1}" type="datetimeFigureOut">
               <a:rPr lang="en-US" smtClean="0"/>
-              <a:t>7/12/2019</a:t>
+              <a:t>7/14/2019</a:t>
             </a:fld>
             <a:endParaRPr lang="en-US"/>
           </a:p>
@@ -1733,7 +1729,7 @@
           <a:p>
             <a:fld id="{840DBF2F-EA99-4041-8A07-A009931458F1}" type="datetimeFigureOut">
               <a:rPr lang="en-US" smtClean="0"/>
-              <a:t>7/12/2019</a:t>
+              <a:t>7/14/2019</a:t>
             </a:fld>
             <a:endParaRPr lang="en-US"/>
           </a:p>
@@ -1828,7 +1824,7 @@
           <a:p>
             <a:fld id="{840DBF2F-EA99-4041-8A07-A009931458F1}" type="datetimeFigureOut">
               <a:rPr lang="en-US" smtClean="0"/>
-              <a:t>7/12/2019</a:t>
+              <a:t>7/14/2019</a:t>
             </a:fld>
             <a:endParaRPr lang="en-US"/>
           </a:p>
@@ -2103,7 +2099,7 @@
           <a:p>
             <a:fld id="{840DBF2F-EA99-4041-8A07-A009931458F1}" type="datetimeFigureOut">
               <a:rPr lang="en-US" smtClean="0"/>
-              <a:t>7/12/2019</a:t>
+              <a:t>7/14/2019</a:t>
             </a:fld>
             <a:endParaRPr lang="en-US"/>
           </a:p>
@@ -2355,7 +2351,7 @@
           <a:p>
             <a:fld id="{840DBF2F-EA99-4041-8A07-A009931458F1}" type="datetimeFigureOut">
               <a:rPr lang="en-US" smtClean="0"/>
-              <a:t>7/12/2019</a:t>
+              <a:t>7/14/2019</a:t>
             </a:fld>
             <a:endParaRPr lang="en-US"/>
           </a:p>
@@ -2566,7 +2562,7 @@
           <a:p>
             <a:fld id="{840DBF2F-EA99-4041-8A07-A009931458F1}" type="datetimeFigureOut">
               <a:rPr lang="en-US" smtClean="0"/>
-              <a:t>7/12/2019</a:t>
+              <a:t>7/14/2019</a:t>
             </a:fld>
             <a:endParaRPr lang="en-US"/>
           </a:p>
@@ -3008,7 +3004,7 @@
           <a:lstStyle/>
           <a:p>
             <a:r>
-              <a:rPr lang="en-US" sz="10000" b="1" dirty="0" smtClean="0"/>
+              <a:rPr lang="en-US" sz="10000" b="1" dirty="0"/>
               <a:t>Introduction to Web Design</a:t>
             </a:r>
             <a:endParaRPr lang="en-US" sz="5000" dirty="0"/>
@@ -3114,13 +3110,6 @@
   <p:clrMapOvr>
     <a:masterClrMapping/>
   </p:clrMapOvr>
-  <p:timing>
-    <p:tnLst>
-      <p:par>
-        <p:cTn id="1" dur="indefinite" restart="never" nodeType="tmRoot"/>
-      </p:par>
-    </p:tnLst>
-  </p:timing>
 </p:sld>
 </file>
 
@@ -3176,18 +3165,13 @@
           <a:lstStyle/>
           <a:p>
             <a:r>
-              <a:rPr lang="en-US" dirty="0" smtClean="0">
+              <a:rPr lang="en-US" dirty="0">
                 <a:solidFill>
                   <a:schemeClr val="bg1"/>
                 </a:solidFill>
               </a:rPr>
               <a:t>Interfaces, Classes &amp; Functions</a:t>
             </a:r>
-            <a:endParaRPr lang="en-US" dirty="0">
-              <a:solidFill>
-                <a:schemeClr val="bg1"/>
-              </a:solidFill>
-            </a:endParaRPr>
           </a:p>
         </p:txBody>
       </p:sp>
@@ -3214,55 +3198,55 @@
           <a:lstStyle/>
           <a:p>
             <a:r>
-              <a:rPr lang="en-US" dirty="0" smtClean="0"/>
+              <a:rPr lang="en-US" dirty="0"/>
               <a:t>Interfaces</a:t>
             </a:r>
           </a:p>
           <a:p>
             <a:pPr lvl="1"/>
             <a:r>
-              <a:rPr lang="en-US" dirty="0" smtClean="0"/>
+              <a:rPr lang="en-US" dirty="0"/>
               <a:t>Properties</a:t>
             </a:r>
           </a:p>
           <a:p>
             <a:pPr lvl="1"/>
             <a:r>
-              <a:rPr lang="en-US" dirty="0" smtClean="0"/>
+              <a:rPr lang="en-US" dirty="0"/>
               <a:t>Optional Properties</a:t>
             </a:r>
           </a:p>
           <a:p>
             <a:pPr lvl="1"/>
             <a:r>
-              <a:rPr lang="en-US" dirty="0" err="1" smtClean="0"/>
+              <a:rPr lang="en-US" dirty="0" err="1"/>
               <a:t>Readonly</a:t>
             </a:r>
             <a:r>
-              <a:rPr lang="en-US" dirty="0" smtClean="0"/>
+              <a:rPr lang="en-US" dirty="0"/>
               <a:t> Properties</a:t>
             </a:r>
           </a:p>
           <a:p>
             <a:pPr lvl="1"/>
             <a:r>
-              <a:rPr lang="en-US" dirty="0" err="1" smtClean="0"/>
+              <a:rPr lang="en-US" dirty="0" err="1"/>
               <a:t>Readonly</a:t>
             </a:r>
             <a:r>
-              <a:rPr lang="en-US" dirty="0" smtClean="0"/>
+              <a:rPr lang="en-US" dirty="0"/>
               <a:t> Vs </a:t>
             </a:r>
             <a:r>
-              <a:rPr lang="en-US" dirty="0" err="1" smtClean="0"/>
+              <a:rPr lang="en-US" dirty="0" err="1"/>
               <a:t>Const</a:t>
             </a:r>
-            <a:endParaRPr lang="en-US" dirty="0" smtClean="0"/>
+            <a:endParaRPr lang="en-US" dirty="0"/>
           </a:p>
           <a:p>
             <a:pPr lvl="1"/>
             <a:r>
-              <a:rPr lang="en-US" dirty="0" err="1" smtClean="0"/>
+              <a:rPr lang="en-US" dirty="0" err="1"/>
               <a:t>FunctionTypes</a:t>
             </a:r>
             <a:endParaRPr lang="en-US" dirty="0"/>
@@ -3296,23 +3280,23 @@
           </a:p>
           <a:p>
             <a:pPr lvl="1"/>
-            <a:endParaRPr lang="en-US" dirty="0" smtClean="0"/>
+            <a:endParaRPr lang="en-US" dirty="0"/>
           </a:p>
           <a:p>
             <a:pPr lvl="1"/>
-            <a:endParaRPr lang="en-US" dirty="0" smtClean="0"/>
+            <a:endParaRPr lang="en-US" dirty="0"/>
           </a:p>
           <a:p>
             <a:pPr marL="0" indent="0">
               <a:buNone/>
             </a:pPr>
-            <a:endParaRPr lang="en-US" dirty="0" smtClean="0"/>
-          </a:p>
-          <a:p>
-            <a:endParaRPr lang="en-US" dirty="0" smtClean="0"/>
-          </a:p>
-          <a:p>
-            <a:endParaRPr lang="en-US" dirty="0" smtClean="0"/>
+            <a:endParaRPr lang="en-US" dirty="0"/>
+          </a:p>
+          <a:p>
+            <a:endParaRPr lang="en-US" dirty="0"/>
+          </a:p>
+          <a:p>
+            <a:endParaRPr lang="en-US" dirty="0"/>
           </a:p>
           <a:p>
             <a:pPr lvl="1"/>
@@ -3538,13 +3522,13 @@
               <a:buFont typeface="Arial" panose="020B0604020202020204" pitchFamily="34" charset="0"/>
               <a:buNone/>
             </a:pPr>
-            <a:endParaRPr lang="en-US" dirty="0" smtClean="0"/>
-          </a:p>
-          <a:p>
-            <a:endParaRPr lang="en-US" dirty="0" smtClean="0"/>
-          </a:p>
-          <a:p>
-            <a:endParaRPr lang="en-US" dirty="0" smtClean="0"/>
+            <a:endParaRPr lang="en-US" dirty="0"/>
+          </a:p>
+          <a:p>
+            <a:endParaRPr lang="en-US" dirty="0"/>
+          </a:p>
+          <a:p>
+            <a:endParaRPr lang="en-US" dirty="0"/>
           </a:p>
           <a:p>
             <a:pPr lvl="1"/>
@@ -3562,13 +3546,6 @@
   <p:clrMapOvr>
     <a:masterClrMapping/>
   </p:clrMapOvr>
-  <p:timing>
-    <p:tnLst>
-      <p:par>
-        <p:cTn id="1" dur="indefinite" restart="never" nodeType="tmRoot"/>
-      </p:par>
-    </p:tnLst>
-  </p:timing>
 </p:sld>
 </file>
 
@@ -3793,13 +3770,13 @@
               <a:buFont typeface="Arial" panose="020B0604020202020204" pitchFamily="34" charset="0"/>
               <a:buNone/>
             </a:pPr>
-            <a:endParaRPr lang="en-US" dirty="0" smtClean="0"/>
-          </a:p>
-          <a:p>
-            <a:endParaRPr lang="en-US" dirty="0" smtClean="0"/>
-          </a:p>
-          <a:p>
-            <a:endParaRPr lang="en-US" dirty="0" smtClean="0"/>
+            <a:endParaRPr lang="en-US" dirty="0"/>
+          </a:p>
+          <a:p>
+            <a:endParaRPr lang="en-US" dirty="0"/>
+          </a:p>
+          <a:p>
+            <a:endParaRPr lang="en-US" dirty="0"/>
           </a:p>
           <a:p>
             <a:pPr lvl="1"/>
@@ -3879,61 +3856,49 @@
               <a:buNone/>
             </a:pPr>
             <a:r>
-              <a:rPr lang="en-US" dirty="0" smtClean="0"/>
+              <a:rPr lang="en-US" dirty="0"/>
               <a:t>To start with Angular development Install the following </a:t>
             </a:r>
           </a:p>
           <a:p>
             <a:r>
-              <a:rPr lang="en-US" dirty="0" err="1" smtClean="0"/>
+              <a:rPr lang="en-US" dirty="0" err="1"/>
               <a:t>Node.Js</a:t>
             </a:r>
-            <a:endParaRPr lang="en-US" dirty="0" smtClean="0"/>
-          </a:p>
-          <a:p>
-            <a:r>
-              <a:rPr lang="en-US" dirty="0" err="1" smtClean="0"/>
+            <a:endParaRPr lang="en-US" dirty="0"/>
+          </a:p>
+          <a:p>
+            <a:r>
+              <a:rPr lang="en-US" dirty="0" err="1"/>
               <a:t>npm</a:t>
             </a:r>
             <a:r>
-              <a:rPr lang="en-US" dirty="0" smtClean="0"/>
+              <a:rPr lang="en-US" dirty="0"/>
               <a:t> package manager</a:t>
             </a:r>
           </a:p>
           <a:p>
             <a:r>
-              <a:rPr lang="en-US" dirty="0" smtClean="0"/>
+              <a:rPr lang="en-US" dirty="0"/>
               <a:t>Angular CLI</a:t>
             </a:r>
           </a:p>
           <a:p>
             <a:pPr lvl="1"/>
             <a:r>
-              <a:rPr lang="en-US" i="1" dirty="0" err="1" smtClean="0"/>
+              <a:rPr lang="en-US" i="1" dirty="0" err="1"/>
               <a:t>npm</a:t>
             </a:r>
             <a:r>
-              <a:rPr lang="en-US" i="1" dirty="0" smtClean="0"/>
-              <a:t> </a:t>
-            </a:r>
-            <a:r>
               <a:rPr lang="en-US" i="1" dirty="0"/>
-              <a:t>install -g @</a:t>
-            </a:r>
-            <a:r>
-              <a:rPr lang="en-US" i="1" dirty="0" smtClean="0"/>
-              <a:t>angular/cli</a:t>
+              <a:t> install -g @angular/cli</a:t>
             </a:r>
           </a:p>
           <a:p>
             <a:pPr lvl="1"/>
             <a:r>
               <a:rPr lang="en-US" i="1" dirty="0"/>
-              <a:t>n</a:t>
-            </a:r>
-            <a:r>
-              <a:rPr lang="en-US" i="1" dirty="0" smtClean="0"/>
-              <a:t>g --version</a:t>
+              <a:t>ng --version</a:t>
             </a:r>
           </a:p>
           <a:p>
@@ -3962,13 +3927,6 @@
   <p:clrMapOvr>
     <a:masterClrMapping/>
   </p:clrMapOvr>
-  <p:timing>
-    <p:tnLst>
-      <p:par>
-        <p:cTn id="1" dur="indefinite" restart="never" nodeType="tmRoot"/>
-      </p:par>
-    </p:tnLst>
-  </p:timing>
 </p:sld>
 </file>
 
@@ -4024,18 +3982,13 @@
           <a:lstStyle/>
           <a:p>
             <a:r>
-              <a:rPr lang="en-US" dirty="0" smtClean="0">
+              <a:rPr lang="en-US" dirty="0">
                 <a:solidFill>
                   <a:schemeClr val="bg1"/>
                 </a:solidFill>
               </a:rPr>
               <a:t>Angular CLI Commands</a:t>
             </a:r>
-            <a:endParaRPr lang="en-US" dirty="0">
-              <a:solidFill>
-                <a:schemeClr val="bg1"/>
-              </a:solidFill>
-            </a:endParaRPr>
           </a:p>
         </p:txBody>
       </p:sp>
@@ -4229,13 +4182,13 @@
               <a:buFont typeface="Arial" panose="020B0604020202020204" pitchFamily="34" charset="0"/>
               <a:buNone/>
             </a:pPr>
-            <a:endParaRPr lang="en-US" dirty="0" smtClean="0"/>
-          </a:p>
-          <a:p>
-            <a:endParaRPr lang="en-US" dirty="0" smtClean="0"/>
-          </a:p>
-          <a:p>
-            <a:endParaRPr lang="en-US" dirty="0" smtClean="0"/>
+            <a:endParaRPr lang="en-US" dirty="0"/>
+          </a:p>
+          <a:p>
+            <a:endParaRPr lang="en-US" dirty="0"/>
+          </a:p>
+          <a:p>
+            <a:endParaRPr lang="en-US" dirty="0"/>
           </a:p>
           <a:p>
             <a:pPr lvl="1"/>
@@ -4313,7 +4266,7 @@
               <a:buNone/>
               <a:tabLst/>
             </a:pPr>
-            <a:endParaRPr kumimoji="0" lang="en-US" altLang="en-US" sz="1800" b="0" i="0" u="none" strike="noStrike" cap="none" normalizeH="0" baseline="0" dirty="0" smtClean="0">
+            <a:endParaRPr kumimoji="0" lang="en-US" altLang="en-US" sz="1800" b="0" i="0" u="none" strike="noStrike" cap="none" normalizeH="0" baseline="0" dirty="0">
               <a:ln>
                 <a:noFill/>
               </a:ln>
@@ -4360,13 +4313,6 @@
   <p:clrMapOvr>
     <a:masterClrMapping/>
   </p:clrMapOvr>
-  <p:timing>
-    <p:tnLst>
-      <p:par>
-        <p:cTn id="1" dur="indefinite" restart="never" nodeType="tmRoot"/>
-      </p:par>
-    </p:tnLst>
-  </p:timing>
 </p:sld>
 </file>
 
@@ -4470,18 +4416,13 @@
           <a:lstStyle/>
           <a:p>
             <a:r>
-              <a:rPr lang="en-US" dirty="0" smtClean="0">
+              <a:rPr lang="en-US" dirty="0">
                 <a:solidFill>
                   <a:schemeClr val="bg1"/>
                 </a:solidFill>
               </a:rPr>
               <a:t>Angular CLI Commands</a:t>
             </a:r>
-            <a:endParaRPr lang="en-US" dirty="0">
-              <a:solidFill>
-                <a:schemeClr val="bg1"/>
-              </a:solidFill>
-            </a:endParaRPr>
           </a:p>
         </p:txBody>
       </p:sp>
@@ -4675,13 +4616,13 @@
               <a:buFont typeface="Arial" panose="020B0604020202020204" pitchFamily="34" charset="0"/>
               <a:buNone/>
             </a:pPr>
-            <a:endParaRPr lang="en-US" dirty="0" smtClean="0"/>
-          </a:p>
-          <a:p>
-            <a:endParaRPr lang="en-US" dirty="0" smtClean="0"/>
-          </a:p>
-          <a:p>
-            <a:endParaRPr lang="en-US" dirty="0" smtClean="0"/>
+            <a:endParaRPr lang="en-US" dirty="0"/>
+          </a:p>
+          <a:p>
+            <a:endParaRPr lang="en-US" dirty="0"/>
+          </a:p>
+          <a:p>
+            <a:endParaRPr lang="en-US" dirty="0"/>
           </a:p>
           <a:p>
             <a:pPr lvl="1"/>
@@ -4759,7 +4700,7 @@
               <a:buNone/>
               <a:tabLst/>
             </a:pPr>
-            <a:endParaRPr kumimoji="0" lang="en-US" altLang="en-US" sz="1800" b="0" i="0" u="none" strike="noStrike" cap="none" normalizeH="0" baseline="0" dirty="0" smtClean="0">
+            <a:endParaRPr kumimoji="0" lang="en-US" altLang="en-US" sz="1800" b="0" i="0" u="none" strike="noStrike" cap="none" normalizeH="0" baseline="0" dirty="0">
               <a:ln>
                 <a:noFill/>
               </a:ln>
@@ -4782,13 +4723,6 @@
   <p:clrMapOvr>
     <a:masterClrMapping/>
   </p:clrMapOvr>
-  <p:timing>
-    <p:tnLst>
-      <p:par>
-        <p:cTn id="1" dur="indefinite" restart="never" nodeType="tmRoot"/>
-      </p:par>
-    </p:tnLst>
-  </p:timing>
 </p:sld>
 </file>
 
@@ -4844,18 +4778,13 @@
           <a:lstStyle/>
           <a:p>
             <a:r>
-              <a:rPr lang="en-US" dirty="0" smtClean="0">
+              <a:rPr lang="en-US" dirty="0">
                 <a:solidFill>
                   <a:schemeClr val="bg1"/>
                 </a:solidFill>
               </a:rPr>
               <a:t>Angular Project - Files &amp; Folder Structure</a:t>
             </a:r>
-            <a:endParaRPr lang="en-US" dirty="0">
-              <a:solidFill>
-                <a:schemeClr val="bg1"/>
-              </a:solidFill>
-            </a:endParaRPr>
           </a:p>
         </p:txBody>
       </p:sp>
@@ -4882,7 +4811,7 @@
           <a:lstStyle/>
           <a:p>
             <a:r>
-              <a:rPr lang="en-US" dirty="0" smtClean="0"/>
+              <a:rPr lang="en-US" dirty="0"/>
               <a:t>Project Root</a:t>
             </a:r>
           </a:p>
@@ -4890,98 +4819,94 @@
             <a:pPr lvl="1"/>
             <a:r>
               <a:rPr lang="en-US" dirty="0" err="1"/>
-              <a:t>p</a:t>
-            </a:r>
-            <a:r>
-              <a:rPr lang="en-US" dirty="0" err="1" smtClean="0"/>
-              <a:t>ackage.json</a:t>
-            </a:r>
-            <a:r>
-              <a:rPr lang="en-US" dirty="0" smtClean="0"/>
+              <a:t>package.json</a:t>
+            </a:r>
+            <a:r>
+              <a:rPr lang="en-US" dirty="0"/>
               <a:t> &amp; package-</a:t>
             </a:r>
             <a:r>
-              <a:rPr lang="en-US" dirty="0" err="1" smtClean="0"/>
+              <a:rPr lang="en-US" dirty="0" err="1"/>
               <a:t>lock.json</a:t>
             </a:r>
-            <a:endParaRPr lang="en-US" dirty="0" smtClean="0"/>
+            <a:endParaRPr lang="en-US" dirty="0"/>
           </a:p>
           <a:p>
             <a:pPr lvl="1"/>
             <a:r>
-              <a:rPr lang="en-US" dirty="0" smtClean="0"/>
+              <a:rPr lang="en-US" dirty="0"/>
               <a:t>Index.html</a:t>
             </a:r>
           </a:p>
           <a:p>
             <a:pPr lvl="1"/>
             <a:r>
-              <a:rPr lang="en-US" dirty="0" err="1" smtClean="0"/>
+              <a:rPr lang="en-US" dirty="0" err="1"/>
               <a:t>tsconfig.app.json</a:t>
             </a:r>
-            <a:endParaRPr lang="en-US" dirty="0" smtClean="0"/>
+            <a:endParaRPr lang="en-US" dirty="0"/>
           </a:p>
           <a:p>
             <a:pPr lvl="1"/>
             <a:r>
-              <a:rPr lang="en-US" dirty="0" err="1" smtClean="0"/>
+              <a:rPr lang="en-US" dirty="0" err="1"/>
               <a:t>src</a:t>
             </a:r>
             <a:r>
-              <a:rPr lang="en-US" dirty="0" smtClean="0"/>
+              <a:rPr lang="en-US" dirty="0"/>
               <a:t>/environments</a:t>
             </a:r>
           </a:p>
           <a:p>
             <a:pPr lvl="2"/>
             <a:r>
-              <a:rPr lang="en-US" dirty="0" err="1" smtClean="0"/>
+              <a:rPr lang="en-US" dirty="0" err="1"/>
               <a:t>environments.ts</a:t>
             </a:r>
-            <a:endParaRPr lang="en-US" dirty="0" smtClean="0"/>
+            <a:endParaRPr lang="en-US" dirty="0"/>
           </a:p>
           <a:p>
             <a:pPr lvl="3"/>
             <a:r>
-              <a:rPr lang="en-US" dirty="0" err="1" smtClean="0"/>
+              <a:rPr lang="en-US" dirty="0" err="1"/>
               <a:t>Environments.prod.ts</a:t>
             </a:r>
-            <a:endParaRPr lang="en-US" dirty="0" smtClean="0"/>
+            <a:endParaRPr lang="en-US" dirty="0"/>
           </a:p>
           <a:p>
             <a:pPr lvl="1"/>
             <a:r>
-              <a:rPr lang="en-US" dirty="0" err="1" smtClean="0"/>
+              <a:rPr lang="en-US" dirty="0" err="1"/>
               <a:t>src</a:t>
             </a:r>
             <a:r>
-              <a:rPr lang="en-US" dirty="0" smtClean="0"/>
+              <a:rPr lang="en-US" dirty="0"/>
               <a:t>/app</a:t>
             </a:r>
           </a:p>
           <a:p>
             <a:pPr lvl="2"/>
             <a:r>
-              <a:rPr lang="en-US" dirty="0" err="1" smtClean="0"/>
+              <a:rPr lang="en-US" dirty="0" err="1"/>
               <a:t>app.module.ts</a:t>
             </a:r>
-            <a:endParaRPr lang="en-US" dirty="0" smtClean="0"/>
+            <a:endParaRPr lang="en-US" dirty="0"/>
           </a:p>
           <a:p>
             <a:pPr lvl="2"/>
             <a:r>
-              <a:rPr lang="en-US" dirty="0" err="1" smtClean="0"/>
+              <a:rPr lang="en-US" dirty="0" err="1"/>
               <a:t>app.component.ts</a:t>
             </a:r>
-            <a:endParaRPr lang="en-US" dirty="0" smtClean="0"/>
+            <a:endParaRPr lang="en-US" dirty="0"/>
           </a:p>
           <a:p>
             <a:pPr lvl="2"/>
             <a:r>
-              <a:rPr lang="en-US" dirty="0" err="1" smtClean="0"/>
+              <a:rPr lang="en-US" dirty="0" err="1"/>
               <a:t>app.component.spec.ts</a:t>
             </a:r>
-            <a:endParaRPr lang="en-US" dirty="0" smtClean="0"/>
+            <a:endParaRPr lang="en-US" dirty="0"/>
           </a:p>
           <a:p>
             <a:r>
@@ -4992,10 +4917,10 @@
           </a:p>
           <a:p>
             <a:r>
-              <a:rPr lang="en-US" dirty="0" err="1" smtClean="0"/>
+              <a:rPr lang="en-US" dirty="0" err="1"/>
               <a:t>tsLint.json</a:t>
             </a:r>
-            <a:endParaRPr lang="en-US" dirty="0" smtClean="0"/>
+            <a:endParaRPr lang="en-US" dirty="0"/>
           </a:p>
           <a:p>
             <a:r>
@@ -5015,7 +4940,7 @@
           </a:p>
           <a:p>
             <a:pPr lvl="3"/>
-            <a:endParaRPr lang="en-US" dirty="0" smtClean="0"/>
+            <a:endParaRPr lang="en-US" dirty="0"/>
           </a:p>
           <a:p>
             <a:pPr lvl="1"/>
@@ -5093,7 +5018,7 @@
               <a:buNone/>
               <a:tabLst/>
             </a:pPr>
-            <a:endParaRPr kumimoji="0" lang="en-US" altLang="en-US" sz="1800" b="0" i="0" u="none" strike="noStrike" cap="none" normalizeH="0" baseline="0" dirty="0" smtClean="0">
+            <a:endParaRPr kumimoji="0" lang="en-US" altLang="en-US" sz="1800" b="0" i="0" u="none" strike="noStrike" cap="none" normalizeH="0" baseline="0" dirty="0">
               <a:ln>
                 <a:noFill/>
               </a:ln>
@@ -5196,13 +5121,6 @@
   <p:clrMapOvr>
     <a:masterClrMapping/>
   </p:clrMapOvr>
-  <p:timing>
-    <p:tnLst>
-      <p:par>
-        <p:cTn id="1" dur="indefinite" restart="never" nodeType="tmRoot"/>
-      </p:par>
-    </p:tnLst>
-  </p:timing>
 </p:sld>
 </file>
 
@@ -5258,18 +5176,13 @@
           <a:lstStyle/>
           <a:p>
             <a:r>
-              <a:rPr lang="en-US" dirty="0" smtClean="0">
+              <a:rPr lang="en-US" dirty="0">
                 <a:solidFill>
                   <a:schemeClr val="bg1"/>
                 </a:solidFill>
               </a:rPr>
               <a:t>Angular Modules</a:t>
             </a:r>
-            <a:endParaRPr lang="en-US" dirty="0">
-              <a:solidFill>
-                <a:schemeClr val="bg1"/>
-              </a:solidFill>
-            </a:endParaRPr>
           </a:p>
         </p:txBody>
       </p:sp>
@@ -5297,42 +5210,26 @@
           <a:p>
             <a:r>
               <a:rPr lang="en-US" dirty="0"/>
-              <a:t>Angular applications are modular</a:t>
-            </a:r>
-            <a:r>
-              <a:rPr lang="en-US" dirty="0" smtClean="0"/>
-              <a:t>.</a:t>
+              <a:t>Angular applications are modular.</a:t>
             </a:r>
           </a:p>
           <a:p>
             <a:r>
               <a:rPr lang="en-US" dirty="0"/>
-              <a:t>Modules help organize an application into cohesive functionality blocks by </a:t>
-            </a:r>
-            <a:r>
-              <a:rPr lang="en-US" dirty="0" smtClean="0"/>
-              <a:t>wrapping </a:t>
-            </a:r>
-          </a:p>
-          <a:p>
-            <a:r>
-              <a:rPr lang="en-US" dirty="0" smtClean="0"/>
-              <a:t>components</a:t>
-            </a:r>
+              <a:t>Modules help organize an application into cohesive functionality blocks by wrapping </a:t>
+            </a:r>
+          </a:p>
+          <a:p>
             <a:r>
               <a:rPr lang="en-US" dirty="0"/>
-              <a:t>, </a:t>
-            </a:r>
-            <a:r>
-              <a:rPr lang="en-US" dirty="0" smtClean="0"/>
-              <a:t>pipes, directives, services, </a:t>
-            </a:r>
-            <a:r>
-              <a:rPr lang="en-US" dirty="0" err="1" smtClean="0"/>
+              <a:t>components, pipes, directives, services, </a:t>
+            </a:r>
+            <a:r>
+              <a:rPr lang="en-US" dirty="0" err="1"/>
               <a:t>etc</a:t>
             </a:r>
             <a:r>
-              <a:rPr lang="en-US" dirty="0" smtClean="0"/>
+              <a:rPr lang="en-US" dirty="0"/>
               <a:t> </a:t>
             </a:r>
           </a:p>
@@ -5347,53 +5244,49 @@
             </a:r>
             <a:r>
               <a:rPr lang="en-US" dirty="0"/>
-              <a:t> </a:t>
-            </a:r>
-            <a:r>
-              <a:rPr lang="en-US" dirty="0" smtClean="0"/>
-              <a:t>decorator</a:t>
+              <a:t> decorator</a:t>
             </a:r>
           </a:p>
           <a:p>
             <a:pPr lvl="1"/>
             <a:r>
-              <a:rPr lang="en-US" dirty="0" smtClean="0"/>
+              <a:rPr lang="en-US" dirty="0"/>
               <a:t>declarations -&gt; classes belong to this modules</a:t>
             </a:r>
           </a:p>
           <a:p>
             <a:pPr lvl="1"/>
             <a:r>
-              <a:rPr lang="en-US" dirty="0" smtClean="0"/>
+              <a:rPr lang="en-US" dirty="0"/>
               <a:t>exports -&gt; classes accessible to other modules</a:t>
             </a:r>
           </a:p>
           <a:p>
             <a:pPr lvl="1"/>
             <a:r>
-              <a:rPr lang="en-US" dirty="0" smtClean="0"/>
+              <a:rPr lang="en-US" dirty="0"/>
               <a:t>imports -&gt;modules whose exported classes are used by the components of this modules</a:t>
             </a:r>
           </a:p>
           <a:p>
             <a:pPr lvl="1"/>
             <a:r>
-              <a:rPr lang="en-US" dirty="0" smtClean="0"/>
+              <a:rPr lang="en-US" dirty="0"/>
               <a:t>providers-&gt;services that are going to be used in other modules </a:t>
             </a:r>
           </a:p>
           <a:p>
             <a:pPr lvl="1"/>
             <a:r>
-              <a:rPr lang="en-US" dirty="0" smtClean="0"/>
+              <a:rPr lang="en-US" dirty="0"/>
               <a:t>bootstrap-&gt;root component, normally </a:t>
             </a:r>
             <a:r>
-              <a:rPr lang="en-US" dirty="0" err="1" smtClean="0"/>
+              <a:rPr lang="en-US" dirty="0" err="1"/>
               <a:t>AppComponent</a:t>
             </a:r>
             <a:r>
-              <a:rPr lang="en-US" dirty="0" smtClean="0"/>
+              <a:rPr lang="en-US" dirty="0"/>
               <a:t>. Only root modules has this property.</a:t>
             </a:r>
           </a:p>
@@ -5469,7 +5362,7 @@
               <a:buNone/>
               <a:tabLst/>
             </a:pPr>
-            <a:endParaRPr kumimoji="0" lang="en-US" altLang="en-US" sz="1800" b="0" i="0" u="none" strike="noStrike" cap="none" normalizeH="0" baseline="0" dirty="0" smtClean="0">
+            <a:endParaRPr kumimoji="0" lang="en-US" altLang="en-US" sz="1800" b="0" i="0" u="none" strike="noStrike" cap="none" normalizeH="0" baseline="0" dirty="0">
               <a:ln>
                 <a:noFill/>
               </a:ln>
@@ -5547,11 +5440,11 @@
               <a:buNone/>
             </a:pPr>
             <a:r>
-              <a:rPr lang="en-US" u="sng" dirty="0" smtClean="0"/>
+              <a:rPr lang="en-US" u="sng" dirty="0"/>
               <a:t>Customization</a:t>
             </a:r>
             <a:r>
-              <a:rPr lang="en-US" dirty="0" smtClean="0"/>
+              <a:rPr lang="en-US" dirty="0"/>
               <a:t>:</a:t>
             </a:r>
           </a:p>
@@ -5565,66 +5458,53 @@
             </a:r>
             <a:r>
               <a:rPr lang="en-US" dirty="0"/>
-              <a:t> </a:t>
-            </a:r>
-            <a:r>
-              <a:rPr lang="en-US" dirty="0" smtClean="0"/>
-              <a:t>install </a:t>
-            </a:r>
-          </a:p>
-          <a:p>
-            <a:r>
-              <a:rPr lang="en-US" sz="2400" dirty="0" smtClean="0"/>
-              <a:t>@</a:t>
-            </a:r>
+              <a:t> install </a:t>
+            </a:r>
+          </a:p>
+          <a:p>
             <a:r>
               <a:rPr lang="en-US" sz="2400" dirty="0"/>
-              <a:t>ng-bootstrap/ng-bootstrap </a:t>
-            </a:r>
-            <a:endParaRPr lang="en-US" sz="2400" dirty="0" smtClean="0"/>
-          </a:p>
-          <a:p>
-            <a:r>
-              <a:rPr lang="en-US" sz="2400" dirty="0" smtClean="0"/>
+              <a:t>@ng-bootstrap/ng-bootstrap </a:t>
+            </a:r>
+          </a:p>
+          <a:p>
+            <a:r>
+              <a:rPr lang="en-US" sz="2400" dirty="0"/>
               <a:t>bootstrap </a:t>
             </a:r>
           </a:p>
           <a:p>
             <a:r>
-              <a:rPr lang="en-US" sz="2400" dirty="0" smtClean="0"/>
+              <a:rPr lang="en-US" sz="2400" dirty="0"/>
               <a:t>font-awesome</a:t>
             </a:r>
           </a:p>
           <a:p>
             <a:r>
-              <a:rPr lang="en-US" sz="2400" dirty="0" smtClean="0"/>
+              <a:rPr lang="en-US" sz="2400" dirty="0"/>
               <a:t>moment</a:t>
             </a:r>
           </a:p>
           <a:p>
             <a:r>
-              <a:rPr lang="en-US" sz="2400" dirty="0" smtClean="0"/>
+              <a:rPr lang="en-US" sz="2400" dirty="0"/>
               <a:t>underscore.js</a:t>
             </a:r>
           </a:p>
           <a:p>
             <a:r>
               <a:rPr lang="en-US" sz="2400" dirty="0"/>
-              <a:t>d</a:t>
-            </a:r>
-            <a:r>
-              <a:rPr lang="en-US" sz="2400" dirty="0" smtClean="0"/>
-              <a:t>emo-</a:t>
-            </a:r>
-            <a:r>
-              <a:rPr lang="en-US" sz="2400" dirty="0" err="1" smtClean="0"/>
+              <a:t>demo-</a:t>
+            </a:r>
+            <a:r>
+              <a:rPr lang="en-US" sz="2400" dirty="0" err="1"/>
               <a:t>data.json</a:t>
             </a:r>
             <a:endParaRPr lang="en-US" sz="2400" dirty="0"/>
           </a:p>
           <a:p>
             <a:r>
-              <a:rPr lang="en-US" sz="2400" dirty="0" smtClean="0"/>
+              <a:rPr lang="en-US" sz="2400" dirty="0"/>
               <a:t>Need for Shared Module</a:t>
             </a:r>
             <a:r>
@@ -5650,13 +5530,6 @@
   <p:clrMapOvr>
     <a:masterClrMapping/>
   </p:clrMapOvr>
-  <p:timing>
-    <p:tnLst>
-      <p:par>
-        <p:cTn id="1" dur="indefinite" restart="never" nodeType="tmRoot"/>
-      </p:par>
-    </p:tnLst>
-  </p:timing>
 </p:sld>
 </file>
 
@@ -5714,18 +5587,13 @@
           <a:lstStyle/>
           <a:p>
             <a:r>
-              <a:rPr lang="en-US" dirty="0" smtClean="0">
+              <a:rPr lang="en-US" dirty="0">
                 <a:solidFill>
                   <a:schemeClr val="bg1"/>
                 </a:solidFill>
               </a:rPr>
               <a:t>Angular Routing</a:t>
             </a:r>
-            <a:endParaRPr lang="en-US" dirty="0">
-              <a:solidFill>
-                <a:schemeClr val="bg1"/>
-              </a:solidFill>
-            </a:endParaRPr>
           </a:p>
         </p:txBody>
       </p:sp>
@@ -5760,7 +5628,7 @@
               <a:t>href</a:t>
             </a:r>
             <a:r>
-              <a:rPr lang="en-US" dirty="0" smtClean="0"/>
+              <a:rPr lang="en-US" dirty="0"/>
               <a:t>="/"&gt;</a:t>
             </a:r>
           </a:p>
@@ -5775,77 +5643,61 @@
             </a:r>
             <a:r>
               <a:rPr lang="en-US" dirty="0"/>
-              <a:t>, Routes } from '@angular/router</a:t>
-            </a:r>
-            <a:r>
-              <a:rPr lang="en-US" dirty="0" smtClean="0"/>
-              <a:t>';</a:t>
-            </a:r>
-          </a:p>
-          <a:p>
-            <a:r>
-              <a:rPr lang="en-US" dirty="0" smtClean="0"/>
+              <a:t>, Routes } from '@angular/router';</a:t>
+            </a:r>
+          </a:p>
+          <a:p>
+            <a:r>
+              <a:rPr lang="en-US" dirty="0"/>
               <a:t>The </a:t>
             </a:r>
             <a:r>
-              <a:rPr lang="en-US" dirty="0" err="1" smtClean="0"/>
+              <a:rPr lang="en-US" dirty="0" err="1"/>
               <a:t>appRoutes</a:t>
             </a:r>
             <a:r>
-              <a:rPr lang="en-US" dirty="0" smtClean="0"/>
+              <a:rPr lang="en-US" dirty="0"/>
               <a:t> are the array of </a:t>
             </a:r>
             <a:r>
-              <a:rPr lang="en-US" dirty="0" smtClean="0">
+              <a:rPr lang="en-US" dirty="0">
                 <a:hlinkClick r:id="rId3"/>
               </a:rPr>
               <a:t>Routes</a:t>
             </a:r>
             <a:r>
-              <a:rPr lang="en-US" dirty="0" smtClean="0"/>
+              <a:rPr lang="en-US" dirty="0"/>
               <a:t> describe how to navigate.</a:t>
             </a:r>
           </a:p>
           <a:p>
             <a:r>
-              <a:rPr lang="en-US" dirty="0" err="1" smtClean="0"/>
+              <a:rPr lang="en-US" dirty="0" err="1"/>
               <a:t>RouterModule.forRoot</a:t>
             </a:r>
             <a:r>
-              <a:rPr lang="en-US" dirty="0" smtClean="0"/>
+              <a:rPr lang="en-US" dirty="0"/>
               <a:t>(routes) &amp; </a:t>
             </a:r>
             <a:r>
-              <a:rPr lang="en-US" dirty="0" err="1" smtClean="0"/>
+              <a:rPr lang="en-US" dirty="0" err="1"/>
               <a:t>RouterModule.forChild</a:t>
             </a:r>
             <a:r>
-              <a:rPr lang="en-US" dirty="0" smtClean="0"/>
+              <a:rPr lang="en-US" dirty="0"/>
               <a:t>(routes)</a:t>
             </a:r>
           </a:p>
           <a:p>
             <a:r>
-              <a:rPr lang="en-US" dirty="0" smtClean="0"/>
-              <a:t>&lt;</a:t>
-            </a:r>
-            <a:r>
               <a:rPr lang="en-US" dirty="0"/>
-              <a:t>router-outlet&gt;&lt;/router-outlet</a:t>
-            </a:r>
-            <a:r>
-              <a:rPr lang="en-US" dirty="0" smtClean="0"/>
-              <a:t>&gt;</a:t>
-            </a:r>
-          </a:p>
-          <a:p>
-            <a:r>
-              <a:rPr lang="en-US" dirty="0" smtClean="0"/>
-              <a:t>&lt;</a:t>
-            </a:r>
+              <a:t>&lt;router-outlet&gt;&lt;/router-outlet&gt;</a:t>
+            </a:r>
+          </a:p>
+          <a:p>
             <a:r>
               <a:rPr lang="en-US" dirty="0"/>
-              <a:t>a </a:t>
+              <a:t>&lt;a </a:t>
             </a:r>
             <a:r>
               <a:rPr lang="en-US" dirty="0" err="1"/>
@@ -5856,29 +5708,25 @@
               <a:t>="/heroes" </a:t>
             </a:r>
             <a:r>
-              <a:rPr lang="en-US" dirty="0" err="1" smtClean="0"/>
+              <a:rPr lang="en-US" dirty="0" err="1"/>
               <a:t>routerLinkActive</a:t>
             </a:r>
             <a:r>
               <a:rPr lang="en-US" dirty="0"/>
-              <a:t>="active"&gt;Heroes&lt;/a</a:t>
-            </a:r>
-            <a:r>
-              <a:rPr lang="en-US" dirty="0" smtClean="0"/>
-              <a:t>&gt;</a:t>
-            </a:r>
-          </a:p>
-          <a:p>
-            <a:r>
-              <a:rPr lang="en-US" dirty="0" err="1" smtClean="0"/>
+              <a:t>="active"&gt;Heroes&lt;/a&gt;</a:t>
+            </a:r>
+          </a:p>
+          <a:p>
+            <a:r>
+              <a:rPr lang="en-US" dirty="0" err="1"/>
               <a:t>ActivatedRoute</a:t>
             </a:r>
             <a:r>
-              <a:rPr lang="en-US" dirty="0" smtClean="0"/>
+              <a:rPr lang="en-US" dirty="0"/>
               <a:t> &amp; </a:t>
             </a:r>
             <a:r>
-              <a:rPr lang="en-US" dirty="0" err="1" smtClean="0"/>
+              <a:rPr lang="en-US" dirty="0" err="1"/>
               <a:t>RouterEvents</a:t>
             </a:r>
             <a:endParaRPr lang="en-US" dirty="0"/>
@@ -5955,7 +5803,7 @@
               <a:buNone/>
               <a:tabLst/>
             </a:pPr>
-            <a:endParaRPr kumimoji="0" lang="en-US" altLang="en-US" sz="1800" b="0" i="0" u="none" strike="noStrike" cap="none" normalizeH="0" baseline="0" dirty="0" smtClean="0">
+            <a:endParaRPr kumimoji="0" lang="en-US" altLang="en-US" sz="1800" b="0" i="0" u="none" strike="noStrike" cap="none" normalizeH="0" baseline="0" dirty="0">
               <a:ln>
                 <a:noFill/>
               </a:ln>
@@ -6210,45 +6058,45 @@
           </a:lstStyle>
           <a:p>
             <a:r>
-              <a:rPr lang="en-US" dirty="0" smtClean="0"/>
+              <a:rPr lang="en-US" dirty="0"/>
               <a:t>Route Guards</a:t>
             </a:r>
           </a:p>
           <a:p>
             <a:pPr lvl="1"/>
             <a:r>
-              <a:rPr lang="en-US" dirty="0" err="1" smtClean="0"/>
+              <a:rPr lang="en-US" dirty="0" err="1"/>
               <a:t>CanActivate</a:t>
             </a:r>
-            <a:endParaRPr lang="en-US" dirty="0" smtClean="0"/>
+            <a:endParaRPr lang="en-US" dirty="0"/>
           </a:p>
           <a:p>
             <a:pPr lvl="1"/>
             <a:r>
-              <a:rPr lang="en-US" dirty="0" err="1" smtClean="0"/>
+              <a:rPr lang="en-US" dirty="0" err="1"/>
               <a:t>CanActivateChild</a:t>
             </a:r>
-            <a:endParaRPr lang="en-US" dirty="0" smtClean="0"/>
+            <a:endParaRPr lang="en-US" dirty="0"/>
           </a:p>
           <a:p>
             <a:pPr lvl="1"/>
             <a:r>
-              <a:rPr lang="en-US" dirty="0" err="1" smtClean="0"/>
+              <a:rPr lang="en-US" dirty="0" err="1"/>
               <a:t>CanDeactivate</a:t>
             </a:r>
-            <a:endParaRPr lang="en-US" dirty="0" smtClean="0"/>
+            <a:endParaRPr lang="en-US" dirty="0"/>
           </a:p>
           <a:p>
             <a:pPr lvl="1"/>
             <a:r>
-              <a:rPr lang="en-US" dirty="0" smtClean="0"/>
+              <a:rPr lang="en-US" dirty="0"/>
               <a:t>Resolve</a:t>
             </a:r>
           </a:p>
           <a:p>
             <a:pPr lvl="1"/>
             <a:r>
-              <a:rPr lang="en-US" dirty="0" err="1" smtClean="0"/>
+              <a:rPr lang="en-US" dirty="0" err="1"/>
               <a:t>CanLoad</a:t>
             </a:r>
             <a:endParaRPr lang="en-US" dirty="0"/>
@@ -6265,13 +6113,6 @@
   <p:clrMapOvr>
     <a:masterClrMapping/>
   </p:clrMapOvr>
-  <p:timing>
-    <p:tnLst>
-      <p:par>
-        <p:cTn id="1" dur="indefinite" restart="never" nodeType="tmRoot"/>
-      </p:par>
-    </p:tnLst>
-  </p:timing>
 </p:sld>
 </file>
 
@@ -6327,7 +6168,7 @@
           <a:lstStyle/>
           <a:p>
             <a:r>
-              <a:rPr lang="en-US" smtClean="0">
+              <a:rPr lang="en-US">
                 <a:solidFill>
                   <a:schemeClr val="bg1"/>
                 </a:solidFill>
@@ -6532,13 +6373,13 @@
               <a:buFont typeface="Arial" panose="020B0604020202020204" pitchFamily="34" charset="0"/>
               <a:buNone/>
             </a:pPr>
-            <a:endParaRPr lang="en-US" dirty="0" smtClean="0"/>
-          </a:p>
-          <a:p>
-            <a:endParaRPr lang="en-US" dirty="0" smtClean="0"/>
-          </a:p>
-          <a:p>
-            <a:endParaRPr lang="en-US" dirty="0" smtClean="0"/>
+            <a:endParaRPr lang="en-US" dirty="0"/>
+          </a:p>
+          <a:p>
+            <a:endParaRPr lang="en-US" dirty="0"/>
+          </a:p>
+          <a:p>
+            <a:endParaRPr lang="en-US" dirty="0"/>
           </a:p>
           <a:p>
             <a:pPr lvl="1"/>
@@ -6616,7 +6457,7 @@
               <a:buNone/>
               <a:tabLst/>
             </a:pPr>
-            <a:endParaRPr kumimoji="0" lang="en-US" altLang="en-US" sz="1800" b="0" i="0" u="none" strike="noStrike" cap="none" normalizeH="0" baseline="0" dirty="0" smtClean="0">
+            <a:endParaRPr kumimoji="0" lang="en-US" altLang="en-US" sz="1800" b="0" i="0" u="none" strike="noStrike" cap="none" normalizeH="0" baseline="0" dirty="0">
               <a:ln>
                 <a:noFill/>
               </a:ln>
@@ -6819,12 +6660,8 @@
               <a:buNone/>
             </a:pPr>
             <a:r>
-              <a:rPr lang="en-US" sz="2000" dirty="0" smtClean="0"/>
-              <a:t>1. String </a:t>
-            </a:r>
-            <a:r>
-              <a:rPr lang="en-US" sz="2000" dirty="0" smtClean="0"/>
-              <a:t>Interpolation</a:t>
+              <a:rPr lang="en-US" sz="2000" dirty="0"/>
+              <a:t>1. String Interpolation</a:t>
             </a:r>
           </a:p>
           <a:p>
@@ -6832,12 +6669,8 @@
               <a:buNone/>
             </a:pPr>
             <a:r>
-              <a:rPr lang="en-US" sz="2000" dirty="0" smtClean="0"/>
-              <a:t>	 </a:t>
-            </a:r>
-            <a:r>
               <a:rPr lang="en-US" sz="2000" dirty="0"/>
-              <a:t>&lt;h1&gt;</a:t>
+              <a:t>	 &lt;h1&gt;</a:t>
             </a:r>
             <a:r>
               <a:rPr lang="en-US" sz="2000" b="1" dirty="0"/>
@@ -6849,32 +6682,24 @@
             </a:r>
             <a:r>
               <a:rPr lang="en-US" sz="2000" b="1" dirty="0"/>
-              <a:t> </a:t>
-            </a:r>
-            <a:r>
-              <a:rPr lang="en-US" sz="2000" b="1" dirty="0" smtClean="0"/>
-              <a:t>}} </a:t>
-            </a:r>
-            <a:r>
-              <a:rPr lang="en-US" sz="2000" dirty="0" smtClean="0"/>
-              <a:t>&lt;/</a:t>
+              <a:t> }} </a:t>
             </a:r>
             <a:r>
               <a:rPr lang="en-US" sz="2000" dirty="0"/>
-              <a:t>h1&gt;</a:t>
+              <a:t>&lt;/h1&gt;</a:t>
             </a:r>
             <a:r>
               <a:rPr lang="en-US" sz="2000" b="1" dirty="0"/>
               <a:t> </a:t>
             </a:r>
-            <a:endParaRPr lang="en-US" sz="2000" dirty="0" smtClean="0"/>
+            <a:endParaRPr lang="en-US" sz="2000" dirty="0"/>
           </a:p>
           <a:p>
             <a:pPr marL="0" indent="0">
               <a:buNone/>
             </a:pPr>
             <a:r>
-              <a:rPr lang="en-US" sz="2000" dirty="0" smtClean="0"/>
+              <a:rPr lang="en-US" sz="2000" dirty="0"/>
               <a:t>2.  Property Binding </a:t>
             </a:r>
           </a:p>
@@ -6885,15 +6710,7 @@
             </a:pPr>
             <a:r>
               <a:rPr lang="en-US" sz="2000" dirty="0"/>
-              <a:t>	</a:t>
-            </a:r>
-            <a:r>
-              <a:rPr lang="en-US" sz="2000" dirty="0" smtClean="0"/>
-              <a:t>&lt;</a:t>
-            </a:r>
-            <a:r>
-              <a:rPr lang="en-US" sz="2000" dirty="0"/>
-              <a:t>h1 </a:t>
+              <a:t>	&lt;h1 </a:t>
             </a:r>
             <a:r>
               <a:rPr lang="en-US" sz="2000" b="1" dirty="0"/>
@@ -6921,11 +6738,7 @@
             </a:r>
             <a:r>
               <a:rPr lang="en-US" sz="2000" dirty="0"/>
-              <a:t>&gt;&lt;/h1</a:t>
-            </a:r>
-            <a:r>
-              <a:rPr lang="en-US" sz="2000" dirty="0" smtClean="0"/>
-              <a:t>&gt;</a:t>
+              <a:t>&gt;&lt;/h1&gt;</a:t>
             </a:r>
           </a:p>
           <a:p>
@@ -6933,7 +6746,7 @@
               <a:buNone/>
             </a:pPr>
             <a:r>
-              <a:rPr lang="en-US" sz="2000" dirty="0" smtClean="0"/>
+              <a:rPr lang="en-US" sz="2000" dirty="0"/>
               <a:t>3.  Event Binding </a:t>
             </a:r>
           </a:p>
@@ -6944,34 +6757,30 @@
             </a:pPr>
             <a:r>
               <a:rPr lang="en-US" sz="2000" dirty="0"/>
-              <a:t>	</a:t>
-            </a:r>
-            <a:r>
-              <a:rPr lang="en-US" sz="2000" dirty="0" smtClean="0"/>
-              <a:t>&lt;button </a:t>
-            </a:r>
-            <a:r>
-              <a:rPr lang="en-US" sz="2000" b="1" dirty="0" smtClean="0"/>
+              <a:t>	&lt;button </a:t>
+            </a:r>
+            <a:r>
+              <a:rPr lang="en-US" sz="2000" b="1" dirty="0"/>
               <a:t>(click)=“</a:t>
             </a:r>
             <a:r>
-              <a:rPr lang="en-US" sz="2000" b="1" dirty="0" err="1" smtClean="0"/>
+              <a:rPr lang="en-US" sz="2000" b="1" dirty="0" err="1"/>
               <a:t>changeBtnText</a:t>
             </a:r>
             <a:r>
-              <a:rPr lang="en-US" sz="2000" b="1" dirty="0" smtClean="0"/>
+              <a:rPr lang="en-US" sz="2000" b="1" dirty="0"/>
               <a:t>()”</a:t>
             </a:r>
             <a:r>
-              <a:rPr lang="en-US" sz="2000" dirty="0" smtClean="0"/>
+              <a:rPr lang="en-US" sz="2000" dirty="0"/>
               <a:t>&gt;{{</a:t>
             </a:r>
             <a:r>
-              <a:rPr lang="en-US" sz="2000" dirty="0" err="1" smtClean="0"/>
+              <a:rPr lang="en-US" sz="2000" dirty="0" err="1"/>
               <a:t>btnText</a:t>
             </a:r>
             <a:r>
-              <a:rPr lang="en-US" sz="2000" dirty="0" smtClean="0"/>
+              <a:rPr lang="en-US" sz="2000" dirty="0"/>
               <a:t>}}&lt;/button&gt;</a:t>
             </a:r>
           </a:p>
@@ -6980,16 +6789,8 @@
               <a:buNone/>
             </a:pPr>
             <a:r>
-              <a:rPr lang="en-US" sz="2000" dirty="0" smtClean="0"/>
-              <a:t>4. Two-Way </a:t>
-            </a:r>
-            <a:r>
               <a:rPr lang="en-US" sz="2000" dirty="0"/>
-              <a:t>Data </a:t>
-            </a:r>
-            <a:r>
-              <a:rPr lang="en-US" sz="2000" dirty="0" smtClean="0"/>
-              <a:t>Binding</a:t>
+              <a:t>4. Two-Way Data Binding</a:t>
             </a:r>
           </a:p>
           <a:p>
@@ -6999,15 +6800,7 @@
             </a:pPr>
             <a:r>
               <a:rPr lang="en-US" sz="2000" dirty="0"/>
-              <a:t>	</a:t>
-            </a:r>
-            <a:r>
-              <a:rPr lang="en-US" sz="2000" dirty="0" smtClean="0"/>
-              <a:t>&lt;input </a:t>
-            </a:r>
-            <a:r>
-              <a:rPr lang="en-US" sz="2000" dirty="0"/>
-              <a:t>type = "text" </a:t>
+              <a:t>	&lt;input type = "text" </a:t>
             </a:r>
             <a:r>
               <a:rPr lang="en-US" sz="2000" b="1" dirty="0"/>
@@ -7026,11 +6819,11 @@
               <a:t>userName</a:t>
             </a:r>
             <a:r>
-              <a:rPr lang="en-US" sz="2000" b="1" dirty="0" smtClean="0"/>
+              <a:rPr lang="en-US" sz="2000" b="1" dirty="0"/>
               <a:t>"</a:t>
             </a:r>
             <a:r>
-              <a:rPr lang="en-US" sz="2000" dirty="0" smtClean="0"/>
+              <a:rPr lang="en-US" sz="2000" dirty="0"/>
               <a:t>/&gt;</a:t>
             </a:r>
           </a:p>
@@ -7039,37 +6832,33 @@
               <a:buNone/>
             </a:pPr>
             <a:r>
-              <a:rPr lang="en-US" sz="2000" dirty="0" smtClean="0"/>
+              <a:rPr lang="en-US" sz="2000" dirty="0"/>
               <a:t>5. *</a:t>
             </a:r>
             <a:r>
-              <a:rPr lang="en-US" sz="2000" dirty="0" err="1" smtClean="0"/>
+              <a:rPr lang="en-US" sz="2000" dirty="0" err="1"/>
               <a:t>ngFor</a:t>
             </a:r>
             <a:r>
-              <a:rPr lang="en-US" sz="2000" dirty="0" smtClean="0"/>
+              <a:rPr lang="en-US" sz="2000" dirty="0"/>
               <a:t> &amp; *</a:t>
             </a:r>
             <a:r>
-              <a:rPr lang="en-US" sz="2000" dirty="0" err="1" smtClean="0"/>
+              <a:rPr lang="en-US" sz="2000" dirty="0" err="1"/>
               <a:t>ngIf</a:t>
             </a:r>
-            <a:endParaRPr lang="en-US" sz="2000" dirty="0" smtClean="0"/>
+            <a:endParaRPr lang="en-US" sz="2000" dirty="0"/>
           </a:p>
           <a:p>
             <a:pPr marL="0" indent="0">
               <a:buNone/>
             </a:pPr>
-            <a:endParaRPr lang="en-US" sz="2000" dirty="0" smtClean="0"/>
-          </a:p>
-          <a:p>
-            <a:r>
-              <a:rPr lang="en-US" sz="2000" b="1" dirty="0" smtClean="0"/>
-              <a:t>&lt;</a:t>
-            </a:r>
+            <a:endParaRPr lang="en-US" sz="2000" dirty="0"/>
+          </a:p>
+          <a:p>
             <a:r>
               <a:rPr lang="en-US" sz="2000" b="1" dirty="0"/>
-              <a:t>button</a:t>
+              <a:t>&lt;button</a:t>
             </a:r>
             <a:r>
               <a:rPr lang="en-US" sz="2000" dirty="0"/>
@@ -7099,14 +6888,13 @@
               <a:rPr lang="en-US" sz="2000" dirty="0"/>
               <a:t>  </a:t>
             </a:r>
-            <a:endParaRPr lang="en-US" sz="2000" dirty="0" smtClean="0"/>
           </a:p>
           <a:p>
             <a:pPr marL="0" indent="0">
               <a:buNone/>
             </a:pPr>
             <a:r>
-              <a:rPr lang="en-US" sz="2000" dirty="0" smtClean="0"/>
+              <a:rPr lang="en-US" sz="2000" dirty="0"/>
               <a:t>				vs</a:t>
             </a:r>
           </a:p>
@@ -7143,16 +6931,15 @@
               <a:rPr lang="en-US" sz="2000" dirty="0"/>
               <a:t> </a:t>
             </a:r>
-            <a:endParaRPr lang="en-US" sz="2000" dirty="0" smtClean="0"/>
-          </a:p>
-          <a:p>
-            <a:endParaRPr lang="en-US" dirty="0" smtClean="0"/>
+          </a:p>
+          <a:p>
+            <a:endParaRPr lang="en-US" dirty="0"/>
           </a:p>
           <a:p>
             <a:pPr marL="0" indent="0">
               <a:buNone/>
             </a:pPr>
-            <a:endParaRPr lang="en-US" dirty="0" smtClean="0"/>
+            <a:endParaRPr lang="en-US" dirty="0"/>
           </a:p>
           <a:p>
             <a:pPr marL="0" indent="0">
@@ -7383,6 +7170,114 @@
               <a:ea typeface="Verdana" panose="020B0604030504040204" pitchFamily="34" charset="0"/>
               <a:cs typeface="Verdana" panose="020B0604030504040204" pitchFamily="34" charset="0"/>
             </a:endParaRPr>
+          </a:p>
+        </p:txBody>
+      </p:sp>
+      <p:sp>
+        <p:nvSpPr>
+          <p:cNvPr id="11" name="Rectangle 10">
+            <a:extLst>
+              <a:ext uri="{FF2B5EF4-FFF2-40B4-BE49-F238E27FC236}">
+                <a16:creationId xmlns:a16="http://schemas.microsoft.com/office/drawing/2014/main" id="{7BB6CC2C-8D5C-499E-A692-FF14AC8034E2}"/>
+              </a:ext>
+            </a:extLst>
+          </p:cNvPr>
+          <p:cNvSpPr/>
+          <p:nvPr/>
+        </p:nvSpPr>
+        <p:spPr>
+          <a:xfrm>
+            <a:off x="7826796" y="3805646"/>
+            <a:ext cx="4365204" cy="2308324"/>
+          </a:xfrm>
+          <a:prstGeom prst="rect">
+            <a:avLst/>
+          </a:prstGeom>
+        </p:spPr>
+        <p:txBody>
+          <a:bodyPr wrap="square">
+            <a:spAutoFit/>
+          </a:bodyPr>
+          <a:lstStyle/>
+          <a:p>
+            <a:r>
+              <a:rPr lang="en-IN" dirty="0"/>
+              <a:t>Template expression operators</a:t>
+            </a:r>
+            <a:r>
+              <a:rPr lang="en-US" b="1" dirty="0"/>
+              <a:t>:</a:t>
+            </a:r>
+          </a:p>
+          <a:p>
+            <a:pPr marL="285750" indent="-285750">
+              <a:buFont typeface="Arial" panose="020B0604020202020204" pitchFamily="34" charset="0"/>
+              <a:buChar char="•"/>
+            </a:pPr>
+            <a:r>
+              <a:rPr lang="en-US" dirty="0"/>
+              <a:t>Pipe</a:t>
+            </a:r>
+          </a:p>
+          <a:p>
+            <a:pPr marL="742950" lvl="1" indent="-285750">
+              <a:buFont typeface="Arial" panose="020B0604020202020204" pitchFamily="34" charset="0"/>
+              <a:buChar char="•"/>
+            </a:pPr>
+            <a:r>
+              <a:rPr lang="en-IN" dirty="0"/>
+              <a:t>{{title | uppercase}}</a:t>
+            </a:r>
+            <a:endParaRPr lang="en-US" dirty="0"/>
+          </a:p>
+          <a:p>
+            <a:pPr marL="285750" indent="-285750">
+              <a:buFont typeface="Arial" panose="020B0604020202020204" pitchFamily="34" charset="0"/>
+              <a:buChar char="•"/>
+            </a:pPr>
+            <a:r>
+              <a:rPr lang="en-US" dirty="0"/>
+              <a:t>safe navigation operator</a:t>
+            </a:r>
+          </a:p>
+          <a:p>
+            <a:pPr marL="742950" lvl="1" indent="-285750">
+              <a:buFont typeface="Arial" panose="020B0604020202020204" pitchFamily="34" charset="0"/>
+              <a:buChar char="•"/>
+            </a:pPr>
+            <a:r>
+              <a:rPr lang="en-IN" dirty="0"/>
+              <a:t>{{item?.name}}</a:t>
+            </a:r>
+            <a:endParaRPr lang="en-US" dirty="0"/>
+          </a:p>
+          <a:p>
+            <a:pPr marL="285750" indent="-285750">
+              <a:buFont typeface="Arial" panose="020B0604020202020204" pitchFamily="34" charset="0"/>
+              <a:buChar char="•"/>
+            </a:pPr>
+            <a:r>
+              <a:rPr lang="en-US" dirty="0"/>
+              <a:t>non-null assertion operator</a:t>
+            </a:r>
+          </a:p>
+          <a:p>
+            <a:pPr marL="742950" lvl="1" indent="-285750">
+              <a:buFont typeface="Arial" panose="020B0604020202020204" pitchFamily="34" charset="0"/>
+              <a:buChar char="•"/>
+            </a:pPr>
+            <a:r>
+              <a:rPr lang="en-IN" dirty="0"/>
+              <a:t>{{item!.name}}</a:t>
+            </a:r>
+            <a:endParaRPr lang="en-US" dirty="0"/>
+          </a:p>
+          <a:p>
+            <a:pPr marL="285750" indent="-285750">
+              <a:buFont typeface="Arial" panose="020B0604020202020204" pitchFamily="34" charset="0"/>
+              <a:buChar char="•"/>
+            </a:pPr>
+            <a:endParaRPr lang="en-US" dirty="0"/>
           </a:p>
         </p:txBody>
       </p:sp>
@@ -7396,13 +7291,6 @@
   <p:clrMapOvr>
     <a:masterClrMapping/>
   </p:clrMapOvr>
-  <p:timing>
-    <p:tnLst>
-      <p:par>
-        <p:cTn id="1" dur="indefinite" restart="never" nodeType="tmRoot"/>
-      </p:par>
-    </p:tnLst>
-  </p:timing>
 </p:sld>
 </file>
 
@@ -7458,18 +7346,13 @@
           <a:lstStyle/>
           <a:p>
             <a:r>
-              <a:rPr lang="en-US" dirty="0" smtClean="0">
+              <a:rPr lang="en-US" dirty="0">
                 <a:solidFill>
                   <a:schemeClr val="bg1"/>
                 </a:solidFill>
               </a:rPr>
-              <a:t>Angular Pipes</a:t>
-            </a:r>
-            <a:endParaRPr lang="en-US" dirty="0">
-              <a:solidFill>
-                <a:schemeClr val="bg1"/>
-              </a:solidFill>
-            </a:endParaRPr>
+              <a:t>Angular Directives</a:t>
+            </a:r>
           </a:p>
         </p:txBody>
       </p:sp>
@@ -7663,13 +7546,13 @@
               <a:buFont typeface="Arial" panose="020B0604020202020204" pitchFamily="34" charset="0"/>
               <a:buNone/>
             </a:pPr>
-            <a:endParaRPr lang="en-US" dirty="0" smtClean="0"/>
-          </a:p>
-          <a:p>
-            <a:endParaRPr lang="en-US" dirty="0" smtClean="0"/>
-          </a:p>
-          <a:p>
-            <a:endParaRPr lang="en-US" dirty="0" smtClean="0"/>
+            <a:endParaRPr lang="en-US" dirty="0"/>
+          </a:p>
+          <a:p>
+            <a:endParaRPr lang="en-US" dirty="0"/>
+          </a:p>
+          <a:p>
+            <a:endParaRPr lang="en-US" dirty="0"/>
           </a:p>
           <a:p>
             <a:pPr lvl="1"/>
@@ -7747,7 +7630,7 @@
               <a:buNone/>
               <a:tabLst/>
             </a:pPr>
-            <a:endParaRPr kumimoji="0" lang="en-US" altLang="en-US" sz="1800" b="0" i="0" u="none" strike="noStrike" cap="none" normalizeH="0" baseline="0" dirty="0" smtClean="0">
+            <a:endParaRPr kumimoji="0" lang="en-US" altLang="en-US" sz="1800" b="0" i="0" u="none" strike="noStrike" cap="none" normalizeH="0" baseline="0" dirty="0">
               <a:ln>
                 <a:noFill/>
               </a:ln>
@@ -7762,33 +7645,71 @@
       </p:sp>
       <p:sp>
         <p:nvSpPr>
-          <p:cNvPr id="2" name="Rectangle 1"/>
+          <p:cNvPr id="3" name="Rectangle 2"/>
           <p:cNvSpPr/>
           <p:nvPr/>
         </p:nvSpPr>
         <p:spPr>
           <a:xfrm>
-            <a:off x="104503" y="984069"/>
-            <a:ext cx="6096000" cy="2585323"/>
+            <a:off x="-38650" y="6405546"/>
+            <a:ext cx="4400372" cy="369332"/>
           </a:xfrm>
           <a:prstGeom prst="rect">
             <a:avLst/>
           </a:prstGeom>
         </p:spPr>
         <p:txBody>
-          <a:bodyPr>
+          <a:bodyPr wrap="none">
             <a:spAutoFit/>
           </a:bodyPr>
           <a:lstStyle/>
           <a:p>
             <a:r>
               <a:rPr lang="en-US" dirty="0">
+                <a:hlinkClick r:id="rId3"/>
+              </a:rPr>
+              <a:t>https://www.javatpoint.com/angular-7-pipes</a:t>
+            </a:r>
+            <a:endParaRPr lang="en-US" dirty="0"/>
+          </a:p>
+        </p:txBody>
+      </p:sp>
+      <p:sp>
+        <p:nvSpPr>
+          <p:cNvPr id="7" name="Rectangle 6">
+            <a:extLst>
+              <a:ext uri="{FF2B5EF4-FFF2-40B4-BE49-F238E27FC236}">
+                <a16:creationId xmlns:a16="http://schemas.microsoft.com/office/drawing/2014/main" id="{3EE415B2-44A8-4D35-AAD8-A18FEE604476}"/>
+              </a:ext>
+            </a:extLst>
+          </p:cNvPr>
+          <p:cNvSpPr/>
+          <p:nvPr/>
+        </p:nvSpPr>
+        <p:spPr>
+          <a:xfrm>
+            <a:off x="115669" y="984069"/>
+            <a:ext cx="7256091" cy="3139321"/>
+          </a:xfrm>
+          <a:prstGeom prst="rect">
+            <a:avLst/>
+          </a:prstGeom>
+        </p:spPr>
+        <p:txBody>
+          <a:bodyPr wrap="square">
+            <a:spAutoFit/>
+          </a:bodyPr>
+          <a:lstStyle/>
+          <a:p>
+            <a:r>
+              <a:rPr lang="en-US" b="1" dirty="0">
                 <a:solidFill>
                   <a:srgbClr val="000000"/>
                 </a:solidFill>
-                <a:latin typeface="verdana" panose="020B0604030504040204" pitchFamily="34" charset="0"/>
+                <a:ea typeface="Verdana" panose="020B0604030504040204" pitchFamily="34" charset="0"/>
+                <a:cs typeface="Verdana" panose="020B0604030504040204" pitchFamily="34" charset="0"/>
               </a:rPr>
-              <a:t>Angular 7 provides some built-in pipes:</a:t>
+              <a:t>Structural Directives</a:t>
             </a:r>
           </a:p>
           <a:p>
@@ -7797,105 +7718,282 @@
               <a:buChar char="•"/>
             </a:pPr>
             <a:r>
+              <a:rPr lang="en-US" dirty="0">
+                <a:solidFill>
+                  <a:srgbClr val="000000"/>
+                </a:solidFill>
+                <a:ea typeface="Verdana" panose="020B0604030504040204" pitchFamily="34" charset="0"/>
+                <a:cs typeface="Verdana" panose="020B0604030504040204" pitchFamily="34" charset="0"/>
+              </a:rPr>
+              <a:t>* is </a:t>
+            </a:r>
+            <a:r>
               <a:rPr lang="en-US" dirty="0" err="1">
                 <a:solidFill>
                   <a:srgbClr val="000000"/>
                 </a:solidFill>
-                <a:latin typeface="verdana" panose="020B0604030504040204" pitchFamily="34" charset="0"/>
+                <a:ea typeface="Verdana" panose="020B0604030504040204" pitchFamily="34" charset="0"/>
+                <a:cs typeface="Verdana" panose="020B0604030504040204" pitchFamily="34" charset="0"/>
               </a:rPr>
-              <a:t>Lowercasepipe</a:t>
+              <a:t>Microsyntax</a:t>
+            </a:r>
+            <a:r>
+              <a:rPr lang="en-US" dirty="0">
+                <a:solidFill>
+                  <a:srgbClr val="000000"/>
+                </a:solidFill>
+                <a:ea typeface="Verdana" panose="020B0604030504040204" pitchFamily="34" charset="0"/>
+                <a:cs typeface="Verdana" panose="020B0604030504040204" pitchFamily="34" charset="0"/>
+              </a:rPr>
+              <a:t> only for structural directives</a:t>
+            </a:r>
+          </a:p>
+          <a:p>
+            <a:pPr marL="285750" indent="-285750">
+              <a:buFont typeface="Arial" panose="020B0604020202020204" pitchFamily="34" charset="0"/>
+              <a:buChar char="•"/>
+            </a:pPr>
+            <a:r>
+              <a:rPr lang="en-US" dirty="0">
+                <a:solidFill>
+                  <a:srgbClr val="000000"/>
+                </a:solidFill>
+                <a:ea typeface="Verdana" panose="020B0604030504040204" pitchFamily="34" charset="0"/>
+                <a:cs typeface="Verdana" panose="020B0604030504040204" pitchFamily="34" charset="0"/>
+              </a:rPr>
+              <a:t>Can’t have more than one structural directive in a tag.</a:t>
+            </a:r>
+          </a:p>
+          <a:p>
+            <a:pPr marL="742950" lvl="1" indent="-285750">
+              <a:buFont typeface="Arial" panose="020B0604020202020204" pitchFamily="34" charset="0"/>
+              <a:buChar char="•"/>
+            </a:pPr>
+            <a:r>
+              <a:rPr lang="en-US" dirty="0">
+                <a:solidFill>
+                  <a:srgbClr val="000000"/>
+                </a:solidFill>
+                <a:ea typeface="Verdana" panose="020B0604030504040204" pitchFamily="34" charset="0"/>
+                <a:cs typeface="Verdana" panose="020B0604030504040204" pitchFamily="34" charset="0"/>
+              </a:rPr>
+              <a:t>*</a:t>
+            </a:r>
+            <a:r>
+              <a:rPr lang="en-US" dirty="0" err="1">
+                <a:solidFill>
+                  <a:srgbClr val="000000"/>
+                </a:solidFill>
+                <a:ea typeface="Verdana" panose="020B0604030504040204" pitchFamily="34" charset="0"/>
+                <a:cs typeface="Verdana" panose="020B0604030504040204" pitchFamily="34" charset="0"/>
+              </a:rPr>
+              <a:t>ngIf</a:t>
             </a:r>
             <a:endParaRPr lang="en-US" dirty="0">
               <a:solidFill>
                 <a:srgbClr val="000000"/>
               </a:solidFill>
-              <a:latin typeface="verdana" panose="020B0604030504040204" pitchFamily="34" charset="0"/>
+              <a:ea typeface="Verdana" panose="020B0604030504040204" pitchFamily="34" charset="0"/>
+              <a:cs typeface="Verdana" panose="020B0604030504040204" pitchFamily="34" charset="0"/>
             </a:endParaRPr>
           </a:p>
           <a:p>
-            <a:pPr marL="285750" indent="-285750">
+            <a:pPr marL="1200150" lvl="2" indent="-285750">
               <a:buFont typeface="Arial" panose="020B0604020202020204" pitchFamily="34" charset="0"/>
               <a:buChar char="•"/>
             </a:pPr>
             <a:r>
+              <a:rPr lang="en-US" dirty="0"/>
+              <a:t>&lt;div *</a:t>
+            </a:r>
+            <a:r>
               <a:rPr lang="en-US" dirty="0" err="1">
-                <a:solidFill>
-                  <a:srgbClr val="000000"/>
-                </a:solidFill>
-                <a:latin typeface="verdana" panose="020B0604030504040204" pitchFamily="34" charset="0"/>
+                <a:hlinkClick r:id="rId4"/>
               </a:rPr>
-              <a:t>Uppercasepipe</a:t>
+              <a:t>ngIf</a:t>
+            </a:r>
+            <a:r>
+              <a:rPr lang="en-US" dirty="0"/>
+              <a:t>="hero" class="name"&gt;{{hero.name}}&lt;/div&gt;</a:t>
             </a:r>
             <a:endParaRPr lang="en-US" dirty="0">
               <a:solidFill>
                 <a:srgbClr val="000000"/>
               </a:solidFill>
-              <a:latin typeface="verdana" panose="020B0604030504040204" pitchFamily="34" charset="0"/>
+              <a:ea typeface="Verdana" panose="020B0604030504040204" pitchFamily="34" charset="0"/>
+              <a:cs typeface="Verdana" panose="020B0604030504040204" pitchFamily="34" charset="0"/>
             </a:endParaRPr>
           </a:p>
           <a:p>
-            <a:pPr marL="285750" indent="-285750">
+            <a:pPr marL="742950" lvl="1" indent="-285750">
               <a:buFont typeface="Arial" panose="020B0604020202020204" pitchFamily="34" charset="0"/>
               <a:buChar char="•"/>
             </a:pPr>
             <a:r>
+              <a:rPr lang="en-US" dirty="0">
+                <a:solidFill>
+                  <a:srgbClr val="000000"/>
+                </a:solidFill>
+                <a:ea typeface="Verdana" panose="020B0604030504040204" pitchFamily="34" charset="0"/>
+                <a:cs typeface="Verdana" panose="020B0604030504040204" pitchFamily="34" charset="0"/>
+              </a:rPr>
+              <a:t>*</a:t>
+            </a:r>
+            <a:r>
               <a:rPr lang="en-US" dirty="0" err="1">
                 <a:solidFill>
                   <a:srgbClr val="000000"/>
                 </a:solidFill>
-                <a:latin typeface="verdana" panose="020B0604030504040204" pitchFamily="34" charset="0"/>
+                <a:ea typeface="Verdana" panose="020B0604030504040204" pitchFamily="34" charset="0"/>
+                <a:cs typeface="Verdana" panose="020B0604030504040204" pitchFamily="34" charset="0"/>
               </a:rPr>
-              <a:t>Datepipe</a:t>
+              <a:t>ngFor</a:t>
+            </a:r>
+            <a:r>
+              <a:rPr lang="en-US" dirty="0">
+                <a:solidFill>
+                  <a:srgbClr val="000000"/>
+                </a:solidFill>
+                <a:ea typeface="Verdana" panose="020B0604030504040204" pitchFamily="34" charset="0"/>
+                <a:cs typeface="Verdana" panose="020B0604030504040204" pitchFamily="34" charset="0"/>
+              </a:rPr>
+              <a:t> – index, </a:t>
+            </a:r>
+            <a:r>
+              <a:rPr lang="en-US" dirty="0" err="1">
+                <a:solidFill>
+                  <a:srgbClr val="000000"/>
+                </a:solidFill>
+                <a:ea typeface="Verdana" panose="020B0604030504040204" pitchFamily="34" charset="0"/>
+                <a:cs typeface="Verdana" panose="020B0604030504040204" pitchFamily="34" charset="0"/>
+              </a:rPr>
+              <a:t>trackBy</a:t>
             </a:r>
             <a:endParaRPr lang="en-US" dirty="0">
               <a:solidFill>
                 <a:srgbClr val="000000"/>
               </a:solidFill>
-              <a:latin typeface="verdana" panose="020B0604030504040204" pitchFamily="34" charset="0"/>
+              <a:ea typeface="Verdana" panose="020B0604030504040204" pitchFamily="34" charset="0"/>
+              <a:cs typeface="Verdana" panose="020B0604030504040204" pitchFamily="34" charset="0"/>
             </a:endParaRPr>
           </a:p>
           <a:p>
-            <a:pPr marL="285750" indent="-285750">
+            <a:pPr marL="1200150" lvl="2" indent="-285750">
               <a:buFont typeface="Arial" panose="020B0604020202020204" pitchFamily="34" charset="0"/>
               <a:buChar char="•"/>
             </a:pPr>
             <a:r>
-              <a:rPr lang="en-US" dirty="0" err="1">
-                <a:solidFill>
-                  <a:srgbClr val="000000"/>
-                </a:solidFill>
-                <a:latin typeface="verdana" panose="020B0604030504040204" pitchFamily="34" charset="0"/>
+              <a:rPr lang="en-IN" dirty="0"/>
+              <a:t>&lt;ul&gt; </a:t>
+            </a:r>
+          </a:p>
+          <a:p>
+            <a:pPr lvl="1"/>
+            <a:r>
+              <a:rPr lang="en-IN" dirty="0"/>
+              <a:t>	     &lt;li *</a:t>
+            </a:r>
+            <a:r>
+              <a:rPr lang="en-IN" dirty="0" err="1">
+                <a:hlinkClick r:id="rId5"/>
               </a:rPr>
-              <a:t>Currencypipe</a:t>
-            </a:r>
+              <a:t>ngFor</a:t>
+            </a:r>
+            <a:r>
+              <a:rPr lang="en-IN" dirty="0"/>
+              <a:t>="let hero of heroes; "&gt;{{hero.name}}&lt;/li&gt; </a:t>
+            </a:r>
+          </a:p>
+          <a:p>
+            <a:pPr lvl="1"/>
+            <a:r>
+              <a:rPr lang="en-IN" dirty="0"/>
+              <a:t>	     &lt;/ul&gt;</a:t>
+            </a:r>
+          </a:p>
+          <a:p>
+            <a:pPr lvl="1"/>
             <a:endParaRPr lang="en-US" dirty="0">
               <a:solidFill>
                 <a:srgbClr val="000000"/>
               </a:solidFill>
-              <a:latin typeface="verdana" panose="020B0604030504040204" pitchFamily="34" charset="0"/>
+              <a:ea typeface="Verdana" panose="020B0604030504040204" pitchFamily="34" charset="0"/>
+              <a:cs typeface="Verdana" panose="020B0604030504040204" pitchFamily="34" charset="0"/>
             </a:endParaRPr>
           </a:p>
           <a:p>
-            <a:pPr marL="285750" indent="-285750">
+            <a:pPr marL="742950" lvl="1" indent="-285750">
               <a:buFont typeface="Arial" panose="020B0604020202020204" pitchFamily="34" charset="0"/>
               <a:buChar char="•"/>
             </a:pPr>
             <a:r>
+              <a:rPr lang="en-US" dirty="0">
+                <a:solidFill>
+                  <a:srgbClr val="000000"/>
+                </a:solidFill>
+                <a:ea typeface="Verdana" panose="020B0604030504040204" pitchFamily="34" charset="0"/>
+                <a:cs typeface="Verdana" panose="020B0604030504040204" pitchFamily="34" charset="0"/>
+              </a:rPr>
+              <a:t>*</a:t>
+            </a:r>
+            <a:r>
               <a:rPr lang="en-US" dirty="0" err="1">
                 <a:solidFill>
                   <a:srgbClr val="000000"/>
                 </a:solidFill>
-                <a:latin typeface="verdana" panose="020B0604030504040204" pitchFamily="34" charset="0"/>
+                <a:ea typeface="Verdana" panose="020B0604030504040204" pitchFamily="34" charset="0"/>
+                <a:cs typeface="Verdana" panose="020B0604030504040204" pitchFamily="34" charset="0"/>
               </a:rPr>
-              <a:t>Jsonpipe</a:t>
+              <a:t>ngSwitch</a:t>
             </a:r>
             <a:endParaRPr lang="en-US" dirty="0">
               <a:solidFill>
                 <a:srgbClr val="000000"/>
               </a:solidFill>
-              <a:latin typeface="verdana" panose="020B0604030504040204" pitchFamily="34" charset="0"/>
+              <a:ea typeface="Verdana" panose="020B0604030504040204" pitchFamily="34" charset="0"/>
+              <a:cs typeface="Verdana" panose="020B0604030504040204" pitchFamily="34" charset="0"/>
             </a:endParaRPr>
           </a:p>
+        </p:txBody>
+      </p:sp>
+      <p:sp>
+        <p:nvSpPr>
+          <p:cNvPr id="10" name="Rectangle 9">
+            <a:extLst>
+              <a:ext uri="{FF2B5EF4-FFF2-40B4-BE49-F238E27FC236}">
+                <a16:creationId xmlns:a16="http://schemas.microsoft.com/office/drawing/2014/main" id="{59F851A6-67F1-4251-801D-73E9857E8340}"/>
+              </a:ext>
+            </a:extLst>
+          </p:cNvPr>
+          <p:cNvSpPr/>
+          <p:nvPr/>
+        </p:nvSpPr>
+        <p:spPr>
+          <a:xfrm>
+            <a:off x="6457361" y="943324"/>
+            <a:ext cx="5618970" cy="3693319"/>
+          </a:xfrm>
+          <a:prstGeom prst="rect">
+            <a:avLst/>
+          </a:prstGeom>
+        </p:spPr>
+        <p:txBody>
+          <a:bodyPr wrap="square">
+            <a:spAutoFit/>
+          </a:bodyPr>
+          <a:lstStyle/>
+          <a:p>
+            <a:r>
+              <a:rPr lang="en-US" b="1" dirty="0">
+                <a:solidFill>
+                  <a:srgbClr val="000000"/>
+                </a:solidFill>
+                <a:ea typeface="Verdana" panose="020B0604030504040204" pitchFamily="34" charset="0"/>
+                <a:cs typeface="Verdana" panose="020B0604030504040204" pitchFamily="34" charset="0"/>
+              </a:rPr>
+              <a:t>Attribute Directives</a:t>
+            </a:r>
+          </a:p>
           <a:p>
             <a:pPr marL="285750" indent="-285750">
               <a:buFont typeface="Arial" panose="020B0604020202020204" pitchFamily="34" charset="0"/>
@@ -7906,36 +8004,84 @@
                 <a:solidFill>
                   <a:srgbClr val="000000"/>
                 </a:solidFill>
-                <a:latin typeface="verdana" panose="020B0604030504040204" pitchFamily="34" charset="0"/>
+                <a:ea typeface="Verdana" panose="020B0604030504040204" pitchFamily="34" charset="0"/>
+                <a:cs typeface="Verdana" panose="020B0604030504040204" pitchFamily="34" charset="0"/>
               </a:rPr>
-              <a:t>Percentpipe</a:t>
+              <a:t>ngClass</a:t>
             </a:r>
             <a:endParaRPr lang="en-US" dirty="0">
               <a:solidFill>
                 <a:srgbClr val="000000"/>
               </a:solidFill>
-              <a:latin typeface="verdana" panose="020B0604030504040204" pitchFamily="34" charset="0"/>
+              <a:ea typeface="Verdana" panose="020B0604030504040204" pitchFamily="34" charset="0"/>
+              <a:cs typeface="Verdana" panose="020B0604030504040204" pitchFamily="34" charset="0"/>
             </a:endParaRPr>
           </a:p>
           <a:p>
-            <a:pPr marL="285750" indent="-285750">
+            <a:pPr marL="742950" lvl="1" indent="-285750">
               <a:buFont typeface="Arial" panose="020B0604020202020204" pitchFamily="34" charset="0"/>
               <a:buChar char="•"/>
             </a:pPr>
             <a:r>
+              <a:rPr lang="en-US" dirty="0">
+                <a:solidFill>
+                  <a:srgbClr val="000000"/>
+                </a:solidFill>
+                <a:ea typeface="Verdana" panose="020B0604030504040204" pitchFamily="34" charset="0"/>
+                <a:cs typeface="Verdana" panose="020B0604030504040204" pitchFamily="34" charset="0"/>
+              </a:rPr>
+              <a:t>[</a:t>
+            </a:r>
+            <a:r>
               <a:rPr lang="en-US" dirty="0" err="1">
                 <a:solidFill>
                   <a:srgbClr val="000000"/>
                 </a:solidFill>
-                <a:latin typeface="verdana" panose="020B0604030504040204" pitchFamily="34" charset="0"/>
+                <a:ea typeface="Verdana" panose="020B0604030504040204" pitchFamily="34" charset="0"/>
+                <a:cs typeface="Verdana" panose="020B0604030504040204" pitchFamily="34" charset="0"/>
               </a:rPr>
-              <a:t>Decimalpipe</a:t>
+              <a:t>ngClass</a:t>
+            </a:r>
+            <a:r>
+              <a:rPr lang="en-US" dirty="0">
+                <a:solidFill>
+                  <a:srgbClr val="000000"/>
+                </a:solidFill>
+                <a:ea typeface="Verdana" panose="020B0604030504040204" pitchFamily="34" charset="0"/>
+                <a:cs typeface="Verdana" panose="020B0604030504040204" pitchFamily="34" charset="0"/>
+              </a:rPr>
+              <a:t>]="{‘&lt;class-name1&gt;’: ’</a:t>
+            </a:r>
+            <a:r>
+              <a:rPr lang="en-IN" dirty="0"/>
+              <a:t>truthy expression’</a:t>
+            </a:r>
+            <a:r>
+              <a:rPr lang="en-US" dirty="0">
+                <a:solidFill>
+                  <a:srgbClr val="000000"/>
+                </a:solidFill>
+                <a:ea typeface="Verdana" panose="020B0604030504040204" pitchFamily="34" charset="0"/>
+                <a:cs typeface="Verdana" panose="020B0604030504040204" pitchFamily="34" charset="0"/>
+              </a:rPr>
+              <a:t>}“</a:t>
+            </a:r>
+          </a:p>
+          <a:p>
+            <a:pPr marL="742950" lvl="1" indent="-285750">
+              <a:buFont typeface="Arial" panose="020B0604020202020204" pitchFamily="34" charset="0"/>
+              <a:buChar char="•"/>
+            </a:pPr>
+            <a:r>
+              <a:rPr lang="en-IN" dirty="0"/>
+              <a:t>[class.&lt;class-name&gt;]='truthy expression'</a:t>
             </a:r>
             <a:endParaRPr lang="en-US" dirty="0">
               <a:solidFill>
                 <a:srgbClr val="000000"/>
               </a:solidFill>
-              <a:latin typeface="verdana" panose="020B0604030504040204" pitchFamily="34" charset="0"/>
+              <a:ea typeface="Verdana" panose="020B0604030504040204" pitchFamily="34" charset="0"/>
+              <a:cs typeface="Verdana" panose="020B0604030504040204" pitchFamily="34" charset="0"/>
             </a:endParaRPr>
           </a:p>
           <a:p>
@@ -7948,48 +8094,438 @@
                 <a:solidFill>
                   <a:srgbClr val="000000"/>
                 </a:solidFill>
-                <a:latin typeface="verdana" panose="020B0604030504040204" pitchFamily="34" charset="0"/>
+                <a:ea typeface="Verdana" panose="020B0604030504040204" pitchFamily="34" charset="0"/>
+                <a:cs typeface="Verdana" panose="020B0604030504040204" pitchFamily="34" charset="0"/>
               </a:rPr>
-              <a:t>Slicepipe</a:t>
-            </a:r>
-            <a:endParaRPr lang="en-US" b="0" dirty="0">
+              <a:t>ngStyle</a:t>
+            </a:r>
+            <a:r>
+              <a:rPr lang="en-US" dirty="0">
+                <a:solidFill>
+                  <a:srgbClr val="000000"/>
+                </a:solidFill>
+                <a:ea typeface="Verdana" panose="020B0604030504040204" pitchFamily="34" charset="0"/>
+                <a:cs typeface="Verdana" panose="020B0604030504040204" pitchFamily="34" charset="0"/>
+              </a:rPr>
+              <a:t> </a:t>
+            </a:r>
+          </a:p>
+          <a:p>
+            <a:pPr marL="742950" lvl="1" indent="-285750">
+              <a:buFont typeface="Arial" panose="020B0604020202020204" pitchFamily="34" charset="0"/>
+              <a:buChar char="•"/>
+            </a:pPr>
+            <a:r>
+              <a:rPr lang="en-US" dirty="0">
+                <a:solidFill>
+                  <a:srgbClr val="000000"/>
+                </a:solidFill>
+                <a:ea typeface="Verdana" panose="020B0604030504040204" pitchFamily="34" charset="0"/>
+                <a:cs typeface="Verdana" panose="020B0604030504040204" pitchFamily="34" charset="0"/>
+              </a:rPr>
+              <a:t>[</a:t>
+            </a:r>
+            <a:r>
+              <a:rPr lang="en-US" dirty="0" err="1">
+                <a:solidFill>
+                  <a:srgbClr val="000000"/>
+                </a:solidFill>
+                <a:ea typeface="Verdana" panose="020B0604030504040204" pitchFamily="34" charset="0"/>
+                <a:cs typeface="Verdana" panose="020B0604030504040204" pitchFamily="34" charset="0"/>
+              </a:rPr>
+              <a:t>ngStyle</a:t>
+            </a:r>
+            <a:r>
+              <a:rPr lang="en-US" dirty="0">
+                <a:solidFill>
+                  <a:srgbClr val="000000"/>
+                </a:solidFill>
+                <a:ea typeface="Verdana" panose="020B0604030504040204" pitchFamily="34" charset="0"/>
+                <a:cs typeface="Verdana" panose="020B0604030504040204" pitchFamily="34" charset="0"/>
+              </a:rPr>
+              <a:t>]=“{‘&lt;prop&gt;’: ‘&lt;value&gt;’}”</a:t>
+            </a:r>
+          </a:p>
+          <a:p>
+            <a:pPr marL="742950" lvl="1" indent="-285750">
+              <a:buFont typeface="Arial" panose="020B0604020202020204" pitchFamily="34" charset="0"/>
+              <a:buChar char="•"/>
+            </a:pPr>
+            <a:r>
+              <a:rPr lang="en-US" dirty="0">
+                <a:solidFill>
+                  <a:srgbClr val="000000"/>
+                </a:solidFill>
+                <a:ea typeface="Verdana" panose="020B0604030504040204" pitchFamily="34" charset="0"/>
+                <a:cs typeface="Verdana" panose="020B0604030504040204" pitchFamily="34" charset="0"/>
+              </a:rPr>
+              <a:t>[style.&lt;property&gt;.&lt;unit&gt;]=“&lt;value&gt;”</a:t>
+            </a:r>
+          </a:p>
+          <a:p>
+            <a:pPr marL="742950" lvl="1" indent="-285750">
+              <a:buFont typeface="Arial" panose="020B0604020202020204" pitchFamily="34" charset="0"/>
+              <a:buChar char="•"/>
+            </a:pPr>
+            <a:r>
+              <a:rPr lang="en-US" dirty="0">
+                <a:solidFill>
+                  <a:srgbClr val="000000"/>
+                </a:solidFill>
+                <a:ea typeface="Verdana" panose="020B0604030504040204" pitchFamily="34" charset="0"/>
+                <a:cs typeface="Verdana" panose="020B0604030504040204" pitchFamily="34" charset="0"/>
+              </a:rPr>
+              <a:t>[</a:t>
+            </a:r>
+            <a:r>
+              <a:rPr lang="en-US" dirty="0" err="1">
+                <a:solidFill>
+                  <a:srgbClr val="000000"/>
+                </a:solidFill>
+                <a:ea typeface="Verdana" panose="020B0604030504040204" pitchFamily="34" charset="0"/>
+                <a:cs typeface="Verdana" panose="020B0604030504040204" pitchFamily="34" charset="0"/>
+              </a:rPr>
+              <a:t>style.color</a:t>
+            </a:r>
+            <a:r>
+              <a:rPr lang="en-US" dirty="0">
+                <a:solidFill>
+                  <a:srgbClr val="000000"/>
+                </a:solidFill>
+                <a:ea typeface="Verdana" panose="020B0604030504040204" pitchFamily="34" charset="0"/>
+                <a:cs typeface="Verdana" panose="020B0604030504040204" pitchFamily="34" charset="0"/>
+              </a:rPr>
+              <a:t>]="</a:t>
+            </a:r>
+            <a:r>
+              <a:rPr lang="en-US" dirty="0" err="1">
+                <a:solidFill>
+                  <a:srgbClr val="000000"/>
+                </a:solidFill>
+                <a:ea typeface="Verdana" panose="020B0604030504040204" pitchFamily="34" charset="0"/>
+                <a:cs typeface="Verdana" panose="020B0604030504040204" pitchFamily="34" charset="0"/>
+              </a:rPr>
+              <a:t>getColor</a:t>
+            </a:r>
+            <a:r>
+              <a:rPr lang="en-US" dirty="0">
+                <a:solidFill>
+                  <a:srgbClr val="000000"/>
+                </a:solidFill>
+                <a:ea typeface="Verdana" panose="020B0604030504040204" pitchFamily="34" charset="0"/>
+                <a:cs typeface="Verdana" panose="020B0604030504040204" pitchFamily="34" charset="0"/>
+              </a:rPr>
+              <a:t>()“</a:t>
+            </a:r>
+          </a:p>
+          <a:p>
+            <a:pPr marL="742950" lvl="1" indent="-285750">
+              <a:buFont typeface="Arial" panose="020B0604020202020204" pitchFamily="34" charset="0"/>
+              <a:buChar char="•"/>
+            </a:pPr>
+            <a:r>
+              <a:rPr lang="en-IN" dirty="0"/>
+              <a:t>[</a:t>
+            </a:r>
+            <a:r>
+              <a:rPr lang="en-IN" dirty="0" err="1"/>
+              <a:t>style.font-size.</a:t>
+            </a:r>
+            <a:r>
+              <a:rPr lang="en-IN" b="1" dirty="0" err="1"/>
+              <a:t>px</a:t>
+            </a:r>
+            <a:r>
+              <a:rPr lang="en-IN" dirty="0"/>
+              <a:t>]="24“ (.px/ .</a:t>
+            </a:r>
+            <a:r>
+              <a:rPr lang="en-IN" dirty="0" err="1"/>
+              <a:t>em</a:t>
+            </a:r>
+            <a:r>
+              <a:rPr lang="en-IN" dirty="0"/>
+              <a:t>/ .%)</a:t>
+            </a:r>
+            <a:endParaRPr lang="en-US" dirty="0">
               <a:solidFill>
                 <a:srgbClr val="000000"/>
               </a:solidFill>
-              <a:effectLst/>
-              <a:latin typeface="verdana" panose="020B0604030504040204" pitchFamily="34" charset="0"/>
+              <a:ea typeface="Verdana" panose="020B0604030504040204" pitchFamily="34" charset="0"/>
+              <a:cs typeface="Verdana" panose="020B0604030504040204" pitchFamily="34" charset="0"/>
             </a:endParaRPr>
           </a:p>
-        </p:txBody>
-      </p:sp>
-      <p:sp>
-        <p:nvSpPr>
-          <p:cNvPr id="3" name="Rectangle 2"/>
+          <a:p>
+            <a:pPr marL="742950" lvl="1" indent="-285750">
+              <a:buFont typeface="Arial" panose="020B0604020202020204" pitchFamily="34" charset="0"/>
+              <a:buChar char="•"/>
+            </a:pPr>
+            <a:r>
+              <a:rPr lang="en-US" dirty="0">
+                <a:solidFill>
+                  <a:srgbClr val="000000"/>
+                </a:solidFill>
+                <a:ea typeface="Verdana" panose="020B0604030504040204" pitchFamily="34" charset="0"/>
+                <a:cs typeface="Verdana" panose="020B0604030504040204" pitchFamily="34" charset="0"/>
+              </a:rPr>
+              <a:t>[</a:t>
+            </a:r>
+            <a:r>
+              <a:rPr lang="en-US" dirty="0" err="1">
+                <a:solidFill>
+                  <a:srgbClr val="000000"/>
+                </a:solidFill>
+                <a:ea typeface="Verdana" panose="020B0604030504040204" pitchFamily="34" charset="0"/>
+                <a:cs typeface="Verdana" panose="020B0604030504040204" pitchFamily="34" charset="0"/>
+              </a:rPr>
+              <a:t>ngStyle</a:t>
+            </a:r>
+            <a:r>
+              <a:rPr lang="en-US" dirty="0">
+                <a:solidFill>
+                  <a:srgbClr val="000000"/>
+                </a:solidFill>
+                <a:ea typeface="Verdana" panose="020B0604030504040204" pitchFamily="34" charset="0"/>
+                <a:cs typeface="Verdana" panose="020B0604030504040204" pitchFamily="34" charset="0"/>
+              </a:rPr>
+              <a:t>]="{'font-size’:24, ‘font-weight’: ‘bold’}“</a:t>
+            </a:r>
+          </a:p>
+          <a:p>
+            <a:pPr marL="285750" indent="-285750">
+              <a:buFont typeface="Arial" panose="020B0604020202020204" pitchFamily="34" charset="0"/>
+              <a:buChar char="•"/>
+            </a:pPr>
+            <a:r>
+              <a:rPr lang="en-US" dirty="0" err="1">
+                <a:solidFill>
+                  <a:srgbClr val="000000"/>
+                </a:solidFill>
+                <a:ea typeface="Verdana" panose="020B0604030504040204" pitchFamily="34" charset="0"/>
+                <a:cs typeface="Verdana" panose="020B0604030504040204" pitchFamily="34" charset="0"/>
+              </a:rPr>
+              <a:t>ngNonBindle</a:t>
+            </a:r>
+            <a:r>
+              <a:rPr lang="en-US" dirty="0">
+                <a:solidFill>
+                  <a:srgbClr val="000000"/>
+                </a:solidFill>
+                <a:ea typeface="Verdana" panose="020B0604030504040204" pitchFamily="34" charset="0"/>
+                <a:cs typeface="Verdana" panose="020B0604030504040204" pitchFamily="34" charset="0"/>
+              </a:rPr>
+              <a:t> </a:t>
+            </a:r>
+          </a:p>
+          <a:p>
+            <a:pPr marL="742950" lvl="1" indent="-285750">
+              <a:buFont typeface="Arial" panose="020B0604020202020204" pitchFamily="34" charset="0"/>
+              <a:buChar char="•"/>
+            </a:pPr>
+            <a:r>
+              <a:rPr lang="en-US" dirty="0">
+                <a:solidFill>
+                  <a:srgbClr val="000000"/>
+                </a:solidFill>
+                <a:ea typeface="Verdana" panose="020B0604030504040204" pitchFamily="34" charset="0"/>
+                <a:cs typeface="Verdana" panose="020B0604030504040204" pitchFamily="34" charset="0"/>
+              </a:rPr>
+              <a:t>&lt;pre </a:t>
+            </a:r>
+            <a:r>
+              <a:rPr lang="en-US" dirty="0" err="1">
+                <a:solidFill>
+                  <a:srgbClr val="000000"/>
+                </a:solidFill>
+                <a:ea typeface="Verdana" panose="020B0604030504040204" pitchFamily="34" charset="0"/>
+                <a:cs typeface="Verdana" panose="020B0604030504040204" pitchFamily="34" charset="0"/>
+              </a:rPr>
+              <a:t>ngNonBindable</a:t>
+            </a:r>
+            <a:r>
+              <a:rPr lang="en-US" dirty="0">
+                <a:solidFill>
+                  <a:srgbClr val="000000"/>
+                </a:solidFill>
+                <a:ea typeface="Verdana" panose="020B0604030504040204" pitchFamily="34" charset="0"/>
+                <a:cs typeface="Verdana" panose="020B0604030504040204" pitchFamily="34" charset="0"/>
+              </a:rPr>
+              <a:t>&gt;{{ name }}&lt;/pre&gt;</a:t>
+            </a:r>
+          </a:p>
+          <a:p>
+            <a:pPr marL="742950" lvl="1" indent="-285750">
+              <a:buFont typeface="Arial" panose="020B0604020202020204" pitchFamily="34" charset="0"/>
+              <a:buChar char="•"/>
+            </a:pPr>
+            <a:endParaRPr lang="en-US" dirty="0">
+              <a:solidFill>
+                <a:srgbClr val="000000"/>
+              </a:solidFill>
+              <a:ea typeface="Verdana" panose="020B0604030504040204" pitchFamily="34" charset="0"/>
+              <a:cs typeface="Verdana" panose="020B0604030504040204" pitchFamily="34" charset="0"/>
+            </a:endParaRPr>
+          </a:p>
+        </p:txBody>
+      </p:sp>
+      <p:sp>
+        <p:nvSpPr>
+          <p:cNvPr id="11" name="Rectangle 10">
+            <a:extLst>
+              <a:ext uri="{FF2B5EF4-FFF2-40B4-BE49-F238E27FC236}">
+                <a16:creationId xmlns:a16="http://schemas.microsoft.com/office/drawing/2014/main" id="{3866BE1B-CD87-44F0-A35B-E39FD35C20C7}"/>
+              </a:ext>
+            </a:extLst>
+          </p:cNvPr>
           <p:cNvSpPr/>
           <p:nvPr/>
         </p:nvSpPr>
         <p:spPr>
           <a:xfrm>
-            <a:off x="-38650" y="6405546"/>
-            <a:ext cx="4400372" cy="369332"/>
+            <a:off x="-88400" y="4110306"/>
+            <a:ext cx="11592422" cy="2031325"/>
           </a:xfrm>
           <a:prstGeom prst="rect">
             <a:avLst/>
           </a:prstGeom>
         </p:spPr>
         <p:txBody>
-          <a:bodyPr wrap="none">
+          <a:bodyPr wrap="square">
             <a:spAutoFit/>
           </a:bodyPr>
           <a:lstStyle/>
           <a:p>
-            <a:r>
-              <a:rPr lang="en-US" dirty="0">
-                <a:hlinkClick r:id="rId3"/>
+            <a:pPr lvl="2"/>
+            <a:r>
+              <a:rPr lang="en-IN" dirty="0"/>
+              <a:t>&lt;div [</a:t>
+            </a:r>
+            <a:r>
+              <a:rPr lang="en-IN" dirty="0" err="1">
+                <a:hlinkClick r:id="rId6"/>
               </a:rPr>
-              <a:t>https://www.javatpoint.com/angular-7-pipes</a:t>
-            </a:r>
-            <a:endParaRPr lang="en-US" dirty="0"/>
+              <a:t>ngSwitch</a:t>
+            </a:r>
+            <a:r>
+              <a:rPr lang="en-IN" dirty="0"/>
+              <a:t>]="</a:t>
+            </a:r>
+            <a:r>
+              <a:rPr lang="en-IN" dirty="0" err="1"/>
+              <a:t>hero?.emotion</a:t>
+            </a:r>
+            <a:r>
+              <a:rPr lang="en-IN" dirty="0"/>
+              <a:t>"&gt; </a:t>
+            </a:r>
+          </a:p>
+          <a:p>
+            <a:pPr lvl="3"/>
+            <a:r>
+              <a:rPr lang="en-IN" dirty="0"/>
+              <a:t>&lt;app-happy-hero *</a:t>
+            </a:r>
+            <a:r>
+              <a:rPr lang="en-IN" dirty="0" err="1">
+                <a:hlinkClick r:id="rId7"/>
+              </a:rPr>
+              <a:t>ngSwitchCase</a:t>
+            </a:r>
+            <a:r>
+              <a:rPr lang="en-IN" dirty="0"/>
+              <a:t>="'happy'" [hero]="hero"&gt;&lt;/app-happy-hero&gt; </a:t>
+            </a:r>
+          </a:p>
+          <a:p>
+            <a:pPr lvl="3"/>
+            <a:r>
+              <a:rPr lang="en-IN" dirty="0"/>
+              <a:t>&lt;app-sad-hero *</a:t>
+            </a:r>
+            <a:r>
+              <a:rPr lang="en-IN" dirty="0" err="1">
+                <a:hlinkClick r:id="rId7"/>
+              </a:rPr>
+              <a:t>ngSwitchCase</a:t>
+            </a:r>
+            <a:r>
+              <a:rPr lang="en-IN" dirty="0"/>
+              <a:t>="'sad'" [hero]="hero"&gt;&lt;/app-sad-hero&gt; </a:t>
+            </a:r>
+          </a:p>
+          <a:p>
+            <a:pPr lvl="3"/>
+            <a:r>
+              <a:rPr lang="en-IN" dirty="0"/>
+              <a:t>&lt;app-confused-hero *</a:t>
+            </a:r>
+            <a:r>
+              <a:rPr lang="en-IN" dirty="0" err="1">
+                <a:hlinkClick r:id="rId7"/>
+              </a:rPr>
+              <a:t>ngSwitchCase</a:t>
+            </a:r>
+            <a:r>
+              <a:rPr lang="en-IN" dirty="0"/>
+              <a:t>="'confused'" [hero]="hero"&gt;</a:t>
+            </a:r>
+          </a:p>
+          <a:p>
+            <a:pPr lvl="3"/>
+            <a:r>
+              <a:rPr lang="en-IN" dirty="0"/>
+              <a:t>&lt;/app-confused-hero&gt; &lt;app-unknown-hero *</a:t>
+            </a:r>
+            <a:r>
+              <a:rPr lang="en-IN" dirty="0" err="1">
+                <a:hlinkClick r:id="rId8"/>
+              </a:rPr>
+              <a:t>ngSwitchDefault</a:t>
+            </a:r>
+            <a:r>
+              <a:rPr lang="en-IN" dirty="0"/>
+              <a:t> [hero]="hero"&gt;&lt;/app-unknown-hero&gt; </a:t>
+            </a:r>
+          </a:p>
+          <a:p>
+            <a:pPr lvl="2"/>
+            <a:r>
+              <a:rPr lang="en-IN" dirty="0"/>
+              <a:t>&lt;/div&gt;</a:t>
+            </a:r>
+          </a:p>
+          <a:p>
+            <a:pPr marL="742950" lvl="1" indent="-285750">
+              <a:buFont typeface="Arial" panose="020B0604020202020204" pitchFamily="34" charset="0"/>
+              <a:buChar char="•"/>
+            </a:pPr>
+            <a:r>
+              <a:rPr lang="en-IN" dirty="0" err="1">
+                <a:solidFill>
+                  <a:srgbClr val="000000"/>
+                </a:solidFill>
+                <a:ea typeface="Verdana" panose="020B0604030504040204" pitchFamily="34" charset="0"/>
+                <a:cs typeface="Verdana" panose="020B0604030504040204" pitchFamily="34" charset="0"/>
+              </a:rPr>
+              <a:t>ngIf</a:t>
+            </a:r>
+            <a:r>
+              <a:rPr lang="en-IN" dirty="0">
+                <a:solidFill>
+                  <a:srgbClr val="000000"/>
+                </a:solidFill>
+                <a:ea typeface="Verdana" panose="020B0604030504040204" pitchFamily="34" charset="0"/>
+                <a:cs typeface="Verdana" panose="020B0604030504040204" pitchFamily="34" charset="0"/>
+              </a:rPr>
+              <a:t> vs [hidden]</a:t>
+            </a:r>
+            <a:endParaRPr lang="en-US" dirty="0">
+              <a:solidFill>
+                <a:srgbClr val="000000"/>
+              </a:solidFill>
+              <a:ea typeface="Verdana" panose="020B0604030504040204" pitchFamily="34" charset="0"/>
+              <a:cs typeface="Verdana" panose="020B0604030504040204" pitchFamily="34" charset="0"/>
+            </a:endParaRPr>
           </a:p>
         </p:txBody>
       </p:sp>
@@ -8003,13 +8539,6 @@
   <p:clrMapOvr>
     <a:masterClrMapping/>
   </p:clrMapOvr>
-  <p:timing>
-    <p:tnLst>
-      <p:par>
-        <p:cTn id="1" dur="indefinite" restart="never" nodeType="tmRoot"/>
-      </p:par>
-    </p:tnLst>
-  </p:timing>
 </p:sld>
 </file>
 
@@ -8065,18 +8594,13 @@
           <a:lstStyle/>
           <a:p>
             <a:r>
-              <a:rPr lang="en-US" dirty="0" smtClean="0">
+              <a:rPr lang="en-US" dirty="0">
                 <a:solidFill>
                   <a:schemeClr val="bg1"/>
                 </a:solidFill>
               </a:rPr>
-              <a:t>Angular</a:t>
-            </a:r>
-            <a:endParaRPr lang="en-US" dirty="0">
-              <a:solidFill>
-                <a:schemeClr val="bg1"/>
-              </a:solidFill>
-            </a:endParaRPr>
+              <a:t>@input &amp; @output</a:t>
+            </a:r>
           </a:p>
         </p:txBody>
       </p:sp>
@@ -8270,13 +8794,13 @@
               <a:buFont typeface="Arial" panose="020B0604020202020204" pitchFamily="34" charset="0"/>
               <a:buNone/>
             </a:pPr>
-            <a:endParaRPr lang="en-US" dirty="0" smtClean="0"/>
-          </a:p>
-          <a:p>
-            <a:endParaRPr lang="en-US" dirty="0" smtClean="0"/>
-          </a:p>
-          <a:p>
-            <a:endParaRPr lang="en-US" dirty="0" smtClean="0"/>
+            <a:endParaRPr lang="en-US" dirty="0"/>
+          </a:p>
+          <a:p>
+            <a:endParaRPr lang="en-US" dirty="0"/>
+          </a:p>
+          <a:p>
+            <a:endParaRPr lang="en-US" dirty="0"/>
           </a:p>
           <a:p>
             <a:pPr lvl="1"/>
@@ -8354,7 +8878,7 @@
               <a:buNone/>
               <a:tabLst/>
             </a:pPr>
-            <a:endParaRPr kumimoji="0" lang="en-US" altLang="en-US" sz="1800" b="0" i="0" u="none" strike="noStrike" cap="none" normalizeH="0" baseline="0" dirty="0" smtClean="0">
+            <a:endParaRPr kumimoji="0" lang="en-US" altLang="en-US" sz="1800" b="0" i="0" u="none" strike="noStrike" cap="none" normalizeH="0" baseline="0" dirty="0">
               <a:ln>
                 <a:noFill/>
               </a:ln>
@@ -8377,13 +8901,6 @@
   <p:clrMapOvr>
     <a:masterClrMapping/>
   </p:clrMapOvr>
-  <p:timing>
-    <p:tnLst>
-      <p:par>
-        <p:cTn id="1" dur="indefinite" restart="never" nodeType="tmRoot"/>
-      </p:par>
-    </p:tnLst>
-  </p:timing>
 </p:sld>
 </file>
 
@@ -8439,18 +8956,13 @@
           <a:lstStyle/>
           <a:p>
             <a:r>
-              <a:rPr lang="en-US" dirty="0" smtClean="0">
+              <a:rPr lang="en-US" dirty="0">
                 <a:solidFill>
                   <a:schemeClr val="bg1"/>
                 </a:solidFill>
               </a:rPr>
               <a:t>HTML5</a:t>
             </a:r>
-            <a:endParaRPr lang="en-US" dirty="0">
-              <a:solidFill>
-                <a:schemeClr val="bg1"/>
-              </a:solidFill>
-            </a:endParaRPr>
           </a:p>
         </p:txBody>
       </p:sp>
@@ -8687,13 +9199,6 @@
   <p:clrMapOvr>
     <a:masterClrMapping/>
   </p:clrMapOvr>
-  <p:timing>
-    <p:tnLst>
-      <p:par>
-        <p:cTn id="1" dur="indefinite" restart="never" nodeType="tmRoot"/>
-      </p:par>
-    </p:tnLst>
-  </p:timing>
 </p:sld>
 </file>
 
@@ -8749,18 +9254,13 @@
           <a:lstStyle/>
           <a:p>
             <a:r>
-              <a:rPr lang="en-US" dirty="0" smtClean="0">
+              <a:rPr lang="en-US" dirty="0">
                 <a:solidFill>
                   <a:schemeClr val="bg1"/>
                 </a:solidFill>
               </a:rPr>
               <a:t>Angular</a:t>
             </a:r>
-            <a:endParaRPr lang="en-US" dirty="0">
-              <a:solidFill>
-                <a:schemeClr val="bg1"/>
-              </a:solidFill>
-            </a:endParaRPr>
           </a:p>
         </p:txBody>
       </p:sp>
@@ -8954,13 +9454,13 @@
               <a:buFont typeface="Arial" panose="020B0604020202020204" pitchFamily="34" charset="0"/>
               <a:buNone/>
             </a:pPr>
-            <a:endParaRPr lang="en-US" dirty="0" smtClean="0"/>
-          </a:p>
-          <a:p>
-            <a:endParaRPr lang="en-US" dirty="0" smtClean="0"/>
-          </a:p>
-          <a:p>
-            <a:endParaRPr lang="en-US" dirty="0" smtClean="0"/>
+            <a:endParaRPr lang="en-US" dirty="0"/>
+          </a:p>
+          <a:p>
+            <a:endParaRPr lang="en-US" dirty="0"/>
+          </a:p>
+          <a:p>
+            <a:endParaRPr lang="en-US" dirty="0"/>
           </a:p>
           <a:p>
             <a:pPr lvl="1"/>
@@ -9038,7 +9538,7 @@
               <a:buNone/>
               <a:tabLst/>
             </a:pPr>
-            <a:endParaRPr kumimoji="0" lang="en-US" altLang="en-US" sz="1800" b="0" i="0" u="none" strike="noStrike" cap="none" normalizeH="0" baseline="0" dirty="0" smtClean="0">
+            <a:endParaRPr kumimoji="0" lang="en-US" altLang="en-US" sz="1800" b="0" i="0" u="none" strike="noStrike" cap="none" normalizeH="0" baseline="0" dirty="0">
               <a:ln>
                 <a:noFill/>
               </a:ln>
@@ -9061,13 +9561,6 @@
   <p:clrMapOvr>
     <a:masterClrMapping/>
   </p:clrMapOvr>
-  <p:timing>
-    <p:tnLst>
-      <p:par>
-        <p:cTn id="1" dur="indefinite" restart="never" nodeType="tmRoot"/>
-      </p:par>
-    </p:tnLst>
-  </p:timing>
 </p:sld>
 </file>
 
@@ -9147,18 +9640,13 @@
           <a:lstStyle/>
           <a:p>
             <a:r>
-              <a:rPr lang="en-US" dirty="0" smtClean="0">
+              <a:rPr lang="en-US" dirty="0">
                 <a:solidFill>
                   <a:schemeClr val="bg1"/>
                 </a:solidFill>
               </a:rPr>
               <a:t>CSS3</a:t>
             </a:r>
-            <a:endParaRPr lang="en-US" dirty="0">
-              <a:solidFill>
-                <a:schemeClr val="bg1"/>
-              </a:solidFill>
-            </a:endParaRPr>
           </a:p>
         </p:txBody>
       </p:sp>
@@ -9364,13 +9852,6 @@
   <p:clrMapOvr>
     <a:masterClrMapping/>
   </p:clrMapOvr>
-  <p:timing>
-    <p:tnLst>
-      <p:par>
-        <p:cTn id="1" dur="indefinite" restart="never" nodeType="tmRoot"/>
-      </p:par>
-    </p:tnLst>
-  </p:timing>
 </p:sld>
 </file>
 
@@ -9467,18 +9948,13 @@
           <a:lstStyle/>
           <a:p>
             <a:r>
-              <a:rPr lang="en-US" dirty="0" smtClean="0">
+              <a:rPr lang="en-US" dirty="0">
                 <a:solidFill>
                   <a:schemeClr val="bg1"/>
                 </a:solidFill>
               </a:rPr>
               <a:t>Javascript &amp; jQuery</a:t>
             </a:r>
-            <a:endParaRPr lang="en-US" dirty="0">
-              <a:solidFill>
-                <a:schemeClr val="bg1"/>
-              </a:solidFill>
-            </a:endParaRPr>
           </a:p>
         </p:txBody>
       </p:sp>
@@ -9624,13 +10100,6 @@
   <p:clrMapOvr>
     <a:masterClrMapping/>
   </p:clrMapOvr>
-  <p:timing>
-    <p:tnLst>
-      <p:par>
-        <p:cTn id="1" dur="indefinite" restart="never" nodeType="tmRoot"/>
-      </p:par>
-    </p:tnLst>
-  </p:timing>
 </p:sld>
 </file>
 
@@ -9686,18 +10155,13 @@
           <a:lstStyle/>
           <a:p>
             <a:r>
-              <a:rPr lang="en-US" dirty="0" smtClean="0">
+              <a:rPr lang="en-US" dirty="0">
                 <a:solidFill>
                   <a:schemeClr val="bg1"/>
                 </a:solidFill>
               </a:rPr>
               <a:t>SPA</a:t>
             </a:r>
-            <a:endParaRPr lang="en-US" dirty="0">
-              <a:solidFill>
-                <a:schemeClr val="bg1"/>
-              </a:solidFill>
-            </a:endParaRPr>
           </a:p>
         </p:txBody>
       </p:sp>
@@ -9824,13 +10288,6 @@
   <p:clrMapOvr>
     <a:masterClrMapping/>
   </p:clrMapOvr>
-  <p:timing>
-    <p:tnLst>
-      <p:par>
-        <p:cTn id="1" dur="indefinite" restart="never" nodeType="tmRoot"/>
-      </p:par>
-    </p:tnLst>
-  </p:timing>
 </p:sld>
 </file>
 
@@ -9886,7 +10343,7 @@
           <a:lstStyle/>
           <a:p>
             <a:r>
-              <a:rPr lang="en-US" dirty="0" smtClean="0">
+              <a:rPr lang="en-US" dirty="0">
                 <a:solidFill>
                   <a:schemeClr val="bg1"/>
                 </a:solidFill>
@@ -9894,7 +10351,7 @@
               <a:t>Node JS </a:t>
             </a:r>
             <a:r>
-              <a:rPr lang="en-US" smtClean="0">
+              <a:rPr lang="en-US">
                 <a:solidFill>
                   <a:schemeClr val="bg1"/>
                 </a:solidFill>
@@ -10046,13 +10503,6 @@
   <p:clrMapOvr>
     <a:masterClrMapping/>
   </p:clrMapOvr>
-  <p:timing>
-    <p:tnLst>
-      <p:par>
-        <p:cTn id="1" dur="indefinite" restart="never" nodeType="tmRoot"/>
-      </p:par>
-    </p:tnLst>
-  </p:timing>
 </p:sld>
 </file>
 
@@ -10110,22 +10560,21 @@
           <a:lstStyle/>
           <a:p>
             <a:r>
-              <a:rPr lang="en-US" sz="10000" b="1" dirty="0" err="1" smtClean="0"/>
+              <a:rPr lang="en-US" sz="10000" b="1" dirty="0" err="1"/>
               <a:t>Type</a:t>
             </a:r>
             <a:r>
-              <a:rPr lang="en-US" sz="10000" dirty="0" err="1" smtClean="0"/>
+              <a:rPr lang="en-US" sz="10000" dirty="0" err="1"/>
               <a:t>Script</a:t>
             </a:r>
             <a:r>
-              <a:rPr lang="en-US" sz="10000" dirty="0" smtClean="0"/>
+              <a:rPr lang="en-US" sz="10000" dirty="0"/>
               <a:t> </a:t>
             </a:r>
             <a:r>
-              <a:rPr lang="en-US" sz="5000" dirty="0" smtClean="0"/>
+              <a:rPr lang="en-US" sz="5000" dirty="0"/>
               <a:t>V3.4</a:t>
             </a:r>
-            <a:endParaRPr lang="en-US" sz="5000" dirty="0"/>
           </a:p>
         </p:txBody>
       </p:sp>
@@ -10193,13 +10642,6 @@
   <p:clrMapOvr>
     <a:masterClrMapping/>
   </p:clrMapOvr>
-  <p:timing>
-    <p:tnLst>
-      <p:par>
-        <p:cTn id="1" dur="indefinite" restart="never" nodeType="tmRoot"/>
-      </p:par>
-    </p:tnLst>
-  </p:timing>
 </p:sld>
 </file>
 
@@ -10257,18 +10699,13 @@
           <a:lstStyle/>
           <a:p>
             <a:r>
-              <a:rPr lang="en-US" b="1" dirty="0" smtClean="0">
+              <a:rPr lang="en-US" b="1" dirty="0">
                 <a:solidFill>
                   <a:schemeClr val="bg1"/>
                 </a:solidFill>
               </a:rPr>
               <a:t>What is Typescript &amp; How do you get it ?</a:t>
             </a:r>
-            <a:endParaRPr lang="en-US" b="1" dirty="0">
-              <a:solidFill>
-                <a:schemeClr val="bg1"/>
-              </a:solidFill>
-            </a:endParaRPr>
           </a:p>
         </p:txBody>
       </p:sp>
@@ -10293,10 +10730,9 @@
           <a:lstStyle/>
           <a:p>
             <a:r>
-              <a:rPr lang="en-US" dirty="0" smtClean="0"/>
+              <a:rPr lang="en-US" dirty="0"/>
               <a:t>Typescript is a TYPED superset of Javascript that compiles to plain Javascript</a:t>
             </a:r>
-            <a:endParaRPr lang="en-US" dirty="0"/>
           </a:p>
         </p:txBody>
       </p:sp>
@@ -10347,12 +10783,12 @@
           <a:lstStyle/>
           <a:p>
             <a:r>
-              <a:rPr lang="en-US" b="1" dirty="0" err="1" smtClean="0">
+              <a:rPr lang="en-US" b="1" dirty="0" err="1">
                 <a:latin typeface="Consolas" panose="020B0609020204030204" pitchFamily="49" charset="0"/>
               </a:rPr>
               <a:t>tsconfig.json</a:t>
             </a:r>
-            <a:endParaRPr lang="en-US" b="1" dirty="0" smtClean="0">
+            <a:endParaRPr lang="en-US" b="1" dirty="0">
               <a:latin typeface="Consolas" panose="020B0609020204030204" pitchFamily="49" charset="0"/>
             </a:endParaRPr>
           </a:p>
@@ -10360,7 +10796,7 @@
             <a:endParaRPr lang="en-US" dirty="0"/>
           </a:p>
           <a:p>
-            <a:endParaRPr lang="en-US" dirty="0" smtClean="0"/>
+            <a:endParaRPr lang="en-US" dirty="0"/>
           </a:p>
           <a:p>
             <a:endParaRPr lang="en-US" dirty="0"/>
@@ -10377,13 +10813,6 @@
   <p:clrMapOvr>
     <a:masterClrMapping/>
   </p:clrMapOvr>
-  <p:timing>
-    <p:tnLst>
-      <p:par>
-        <p:cTn id="1" dur="indefinite" restart="never" nodeType="tmRoot"/>
-      </p:par>
-    </p:tnLst>
-  </p:timing>
 </p:sld>
 </file>
 
@@ -10439,18 +10868,13 @@
           <a:lstStyle/>
           <a:p>
             <a:r>
-              <a:rPr lang="en-US" dirty="0" smtClean="0">
+              <a:rPr lang="en-US" dirty="0">
                 <a:solidFill>
                   <a:schemeClr val="bg1"/>
                 </a:solidFill>
               </a:rPr>
               <a:t>Basic Types</a:t>
             </a:r>
-            <a:endParaRPr lang="en-US" dirty="0">
-              <a:solidFill>
-                <a:schemeClr val="bg1"/>
-              </a:solidFill>
-            </a:endParaRPr>
           </a:p>
         </p:txBody>
       </p:sp>
@@ -10477,114 +10901,114 @@
           <a:lstStyle/>
           <a:p>
             <a:r>
-              <a:rPr lang="en-US" dirty="0" err="1" smtClean="0"/>
+              <a:rPr lang="en-US" dirty="0" err="1"/>
               <a:t>Var</a:t>
             </a:r>
-            <a:endParaRPr lang="en-US" dirty="0" smtClean="0"/>
-          </a:p>
-          <a:p>
-            <a:r>
-              <a:rPr lang="en-US" dirty="0" smtClean="0"/>
+            <a:endParaRPr lang="en-US" dirty="0"/>
+          </a:p>
+          <a:p>
+            <a:r>
+              <a:rPr lang="en-US" dirty="0"/>
               <a:t>Let</a:t>
             </a:r>
           </a:p>
           <a:p>
             <a:r>
-              <a:rPr lang="en-US" dirty="0" err="1" smtClean="0"/>
+              <a:rPr lang="en-US" dirty="0" err="1"/>
               <a:t>Const</a:t>
             </a:r>
-            <a:endParaRPr lang="en-US" dirty="0" smtClean="0"/>
-          </a:p>
-          <a:p>
-            <a:r>
-              <a:rPr lang="en-US" dirty="0" err="1" smtClean="0"/>
+            <a:endParaRPr lang="en-US" dirty="0"/>
+          </a:p>
+          <a:p>
+            <a:r>
+              <a:rPr lang="en-US" dirty="0" err="1"/>
               <a:t>Destructuring</a:t>
             </a:r>
-            <a:endParaRPr lang="en-US" dirty="0" smtClean="0"/>
+            <a:endParaRPr lang="en-US" dirty="0"/>
           </a:p>
           <a:p>
             <a:pPr lvl="1"/>
             <a:r>
-              <a:rPr lang="en-US" dirty="0" smtClean="0"/>
+              <a:rPr lang="en-US" dirty="0"/>
               <a:t>Arrays</a:t>
             </a:r>
           </a:p>
           <a:p>
             <a:pPr lvl="1"/>
             <a:r>
-              <a:rPr lang="en-US" dirty="0" smtClean="0"/>
+              <a:rPr lang="en-US" dirty="0"/>
               <a:t>Tuples</a:t>
             </a:r>
           </a:p>
           <a:p>
             <a:pPr lvl="1"/>
             <a:r>
-              <a:rPr lang="en-US" dirty="0" smtClean="0"/>
+              <a:rPr lang="en-US" dirty="0"/>
               <a:t>…(Rest operator)</a:t>
             </a:r>
           </a:p>
           <a:p>
             <a:r>
-              <a:rPr lang="en-US" dirty="0" smtClean="0"/>
+              <a:rPr lang="en-US" dirty="0"/>
               <a:t>Interfaces</a:t>
             </a:r>
           </a:p>
           <a:p>
             <a:pPr lvl="1"/>
             <a:r>
-              <a:rPr lang="en-US" dirty="0" smtClean="0"/>
+              <a:rPr lang="en-US" dirty="0"/>
               <a:t>Properties</a:t>
             </a:r>
           </a:p>
           <a:p>
             <a:pPr lvl="1"/>
             <a:r>
-              <a:rPr lang="en-US" dirty="0" smtClean="0"/>
+              <a:rPr lang="en-US" dirty="0"/>
               <a:t>Optional Properties</a:t>
             </a:r>
           </a:p>
           <a:p>
             <a:pPr lvl="1"/>
             <a:r>
-              <a:rPr lang="en-US" dirty="0" err="1" smtClean="0"/>
+              <a:rPr lang="en-US" dirty="0" err="1"/>
               <a:t>Readonly</a:t>
             </a:r>
             <a:r>
-              <a:rPr lang="en-US" dirty="0" smtClean="0"/>
+              <a:rPr lang="en-US" dirty="0"/>
               <a:t> Properties</a:t>
             </a:r>
           </a:p>
           <a:p>
             <a:pPr lvl="1"/>
             <a:r>
-              <a:rPr lang="en-US" dirty="0" err="1" smtClean="0"/>
+              <a:rPr lang="en-US" dirty="0" err="1"/>
               <a:t>Readonly</a:t>
             </a:r>
             <a:r>
-              <a:rPr lang="en-US" dirty="0" smtClean="0"/>
+              <a:rPr lang="en-US" dirty="0"/>
               <a:t> Vs </a:t>
             </a:r>
             <a:r>
-              <a:rPr lang="en-US" dirty="0" err="1" smtClean="0"/>
+              <a:rPr lang="en-US" dirty="0" err="1"/>
               <a:t>Const</a:t>
             </a:r>
-            <a:endParaRPr lang="en-US" dirty="0" smtClean="0"/>
+            <a:endParaRPr lang="en-US" dirty="0"/>
           </a:p>
           <a:p>
             <a:pPr lvl="1"/>
-            <a:endParaRPr lang="en-US" dirty="0" smtClean="0"/>
+            <a:endParaRPr lang="en-US" dirty="0"/>
           </a:p>
           <a:p>
             <a:pPr marL="0" indent="0">
               <a:buNone/>
             </a:pPr>
-            <a:endParaRPr lang="en-US" dirty="0" smtClean="0"/>
-          </a:p>
-          <a:p>
-            <a:endParaRPr lang="en-US" dirty="0" smtClean="0"/>
-          </a:p>
-          <a:p>
-            <a:endParaRPr lang="en-US" dirty="0" smtClean="0"/>
+            <a:endParaRPr lang="en-US" dirty="0"/>
+          </a:p>
+          <a:p>
+            <a:endParaRPr lang="en-US" dirty="0"/>
+          </a:p>
+          <a:p>
+            <a:endParaRPr lang="en-US" dirty="0"/>
           </a:p>
           <a:p>
             <a:pPr lvl="1"/>
@@ -10779,68 +11203,68 @@
           </a:lstStyle>
           <a:p>
             <a:r>
-              <a:rPr lang="en-US" dirty="0" smtClean="0"/>
+              <a:rPr lang="en-US" dirty="0"/>
               <a:t>Boolean	</a:t>
             </a:r>
           </a:p>
           <a:p>
             <a:r>
-              <a:rPr lang="en-US" dirty="0" smtClean="0"/>
+              <a:rPr lang="en-US" dirty="0"/>
               <a:t>Number</a:t>
             </a:r>
           </a:p>
           <a:p>
             <a:r>
-              <a:rPr lang="en-US" dirty="0" smtClean="0"/>
+              <a:rPr lang="en-US" dirty="0"/>
               <a:t>String</a:t>
             </a:r>
           </a:p>
           <a:p>
             <a:r>
-              <a:rPr lang="en-US" dirty="0" smtClean="0"/>
+              <a:rPr lang="en-US" dirty="0"/>
               <a:t>Array</a:t>
             </a:r>
           </a:p>
           <a:p>
             <a:r>
-              <a:rPr lang="en-US" dirty="0" smtClean="0"/>
+              <a:rPr lang="en-US" dirty="0"/>
               <a:t>Tuple</a:t>
             </a:r>
           </a:p>
           <a:p>
             <a:r>
-              <a:rPr lang="en-US" dirty="0" err="1" smtClean="0"/>
+              <a:rPr lang="en-US" dirty="0" err="1"/>
               <a:t>Enum</a:t>
             </a:r>
-            <a:endParaRPr lang="en-US" dirty="0" smtClean="0"/>
-          </a:p>
-          <a:p>
-            <a:r>
-              <a:rPr lang="en-US" dirty="0" smtClean="0"/>
+            <a:endParaRPr lang="en-US" dirty="0"/>
+          </a:p>
+          <a:p>
+            <a:r>
+              <a:rPr lang="en-US" dirty="0"/>
               <a:t>Any</a:t>
             </a:r>
           </a:p>
           <a:p>
             <a:r>
-              <a:rPr lang="en-US" dirty="0" smtClean="0"/>
+              <a:rPr lang="en-US" dirty="0"/>
               <a:t>Void</a:t>
             </a:r>
           </a:p>
           <a:p>
             <a:r>
-              <a:rPr lang="en-US" dirty="0" smtClean="0"/>
+              <a:rPr lang="en-US" dirty="0"/>
               <a:t>Null &amp; Undefined</a:t>
             </a:r>
           </a:p>
           <a:p>
             <a:r>
-              <a:rPr lang="en-US" dirty="0" smtClean="0"/>
+              <a:rPr lang="en-US" dirty="0"/>
               <a:t>Never</a:t>
             </a:r>
           </a:p>
           <a:p>
             <a:r>
-              <a:rPr lang="en-US" dirty="0" smtClean="0"/>
+              <a:rPr lang="en-US" dirty="0"/>
               <a:t>Object</a:t>
             </a:r>
           </a:p>
@@ -10849,13 +11273,13 @@
               <a:buFont typeface="Arial" panose="020B0604020202020204" pitchFamily="34" charset="0"/>
               <a:buNone/>
             </a:pPr>
-            <a:endParaRPr lang="en-US" dirty="0" smtClean="0"/>
-          </a:p>
-          <a:p>
-            <a:endParaRPr lang="en-US" dirty="0" smtClean="0"/>
-          </a:p>
-          <a:p>
-            <a:endParaRPr lang="en-US" dirty="0" smtClean="0"/>
+            <a:endParaRPr lang="en-US" dirty="0"/>
+          </a:p>
+          <a:p>
+            <a:endParaRPr lang="en-US" dirty="0"/>
+          </a:p>
+          <a:p>
+            <a:endParaRPr lang="en-US" dirty="0"/>
           </a:p>
           <a:p>
             <a:pPr lvl="1"/>
@@ -11079,35 +11503,35 @@
           <a:p>
             <a:pPr lvl="1"/>
             <a:r>
-              <a:rPr lang="en-US" dirty="0" err="1" smtClean="0"/>
+              <a:rPr lang="en-US" dirty="0" err="1"/>
               <a:t>FunctionTypes</a:t>
             </a:r>
             <a:endParaRPr lang="en-US" dirty="0"/>
           </a:p>
           <a:p>
             <a:r>
-              <a:rPr lang="en-US" dirty="0" smtClean="0"/>
+              <a:rPr lang="en-US" dirty="0"/>
               <a:t>Implementing Interfaces</a:t>
             </a:r>
           </a:p>
           <a:p>
             <a:pPr lvl="1"/>
             <a:r>
-              <a:rPr lang="en-US" dirty="0" smtClean="0"/>
+              <a:rPr lang="en-US" dirty="0"/>
               <a:t>Static Class</a:t>
             </a:r>
           </a:p>
           <a:p>
             <a:pPr lvl="1"/>
             <a:r>
-              <a:rPr lang="en-US" dirty="0" smtClean="0"/>
+              <a:rPr lang="en-US" dirty="0"/>
               <a:t>Instance Class Types</a:t>
             </a:r>
           </a:p>
           <a:p>
             <a:pPr lvl="1"/>
             <a:r>
-              <a:rPr lang="en-US" dirty="0" smtClean="0"/>
+              <a:rPr lang="en-US" dirty="0"/>
               <a:t>Extend Interface</a:t>
             </a:r>
           </a:p>
@@ -11116,13 +11540,13 @@
               <a:buFont typeface="Arial" panose="020B0604020202020204" pitchFamily="34" charset="0"/>
               <a:buNone/>
             </a:pPr>
-            <a:endParaRPr lang="en-US" dirty="0" smtClean="0"/>
-          </a:p>
-          <a:p>
-            <a:endParaRPr lang="en-US" dirty="0" smtClean="0"/>
-          </a:p>
-          <a:p>
-            <a:endParaRPr lang="en-US" dirty="0" smtClean="0"/>
+            <a:endParaRPr lang="en-US" dirty="0"/>
+          </a:p>
+          <a:p>
+            <a:endParaRPr lang="en-US" dirty="0"/>
+          </a:p>
+          <a:p>
+            <a:endParaRPr lang="en-US" dirty="0"/>
           </a:p>
           <a:p>
             <a:pPr lvl="1"/>
@@ -11140,13 +11564,6 @@
   <p:clrMapOvr>
     <a:masterClrMapping/>
   </p:clrMapOvr>
-  <p:timing>
-    <p:tnLst>
-      <p:par>
-        <p:cTn id="1" dur="indefinite" restart="never" nodeType="tmRoot"/>
-      </p:par>
-    </p:tnLst>
-  </p:timing>
 </p:sld>
 </file>
 

--- a/demo-ng/training-materials/Telliant - Web-Angular-Typescript.pptx
+++ b/demo-ng/training-materials/Telliant - Web-Angular-Typescript.pptx
@@ -260,7 +260,7 @@
           <a:p>
             <a:fld id="{840DBF2F-EA99-4041-8A07-A009931458F1}" type="datetimeFigureOut">
               <a:rPr lang="en-US" smtClean="0"/>
-              <a:t>7/14/2019</a:t>
+              <a:t>7/15/2019</a:t>
             </a:fld>
             <a:endParaRPr lang="en-US"/>
           </a:p>
@@ -428,7 +428,7 @@
           <a:p>
             <a:fld id="{840DBF2F-EA99-4041-8A07-A009931458F1}" type="datetimeFigureOut">
               <a:rPr lang="en-US" smtClean="0"/>
-              <a:t>7/14/2019</a:t>
+              <a:t>7/15/2019</a:t>
             </a:fld>
             <a:endParaRPr lang="en-US"/>
           </a:p>
@@ -606,7 +606,7 @@
           <a:p>
             <a:fld id="{840DBF2F-EA99-4041-8A07-A009931458F1}" type="datetimeFigureOut">
               <a:rPr lang="en-US" smtClean="0"/>
-              <a:t>7/14/2019</a:t>
+              <a:t>7/15/2019</a:t>
             </a:fld>
             <a:endParaRPr lang="en-US"/>
           </a:p>
@@ -774,7 +774,7 @@
           <a:p>
             <a:fld id="{840DBF2F-EA99-4041-8A07-A009931458F1}" type="datetimeFigureOut">
               <a:rPr lang="en-US" smtClean="0"/>
-              <a:t>7/14/2019</a:t>
+              <a:t>7/15/2019</a:t>
             </a:fld>
             <a:endParaRPr lang="en-US"/>
           </a:p>
@@ -1019,7 +1019,7 @@
           <a:p>
             <a:fld id="{840DBF2F-EA99-4041-8A07-A009931458F1}" type="datetimeFigureOut">
               <a:rPr lang="en-US" smtClean="0"/>
-              <a:t>7/14/2019</a:t>
+              <a:t>7/15/2019</a:t>
             </a:fld>
             <a:endParaRPr lang="en-US"/>
           </a:p>
@@ -1248,7 +1248,7 @@
           <a:p>
             <a:fld id="{840DBF2F-EA99-4041-8A07-A009931458F1}" type="datetimeFigureOut">
               <a:rPr lang="en-US" smtClean="0"/>
-              <a:t>7/14/2019</a:t>
+              <a:t>7/15/2019</a:t>
             </a:fld>
             <a:endParaRPr lang="en-US"/>
           </a:p>
@@ -1612,7 +1612,7 @@
           <a:p>
             <a:fld id="{840DBF2F-EA99-4041-8A07-A009931458F1}" type="datetimeFigureOut">
               <a:rPr lang="en-US" smtClean="0"/>
-              <a:t>7/14/2019</a:t>
+              <a:t>7/15/2019</a:t>
             </a:fld>
             <a:endParaRPr lang="en-US"/>
           </a:p>
@@ -1729,7 +1729,7 @@
           <a:p>
             <a:fld id="{840DBF2F-EA99-4041-8A07-A009931458F1}" type="datetimeFigureOut">
               <a:rPr lang="en-US" smtClean="0"/>
-              <a:t>7/14/2019</a:t>
+              <a:t>7/15/2019</a:t>
             </a:fld>
             <a:endParaRPr lang="en-US"/>
           </a:p>
@@ -1824,7 +1824,7 @@
           <a:p>
             <a:fld id="{840DBF2F-EA99-4041-8A07-A009931458F1}" type="datetimeFigureOut">
               <a:rPr lang="en-US" smtClean="0"/>
-              <a:t>7/14/2019</a:t>
+              <a:t>7/15/2019</a:t>
             </a:fld>
             <a:endParaRPr lang="en-US"/>
           </a:p>
@@ -2099,7 +2099,7 @@
           <a:p>
             <a:fld id="{840DBF2F-EA99-4041-8A07-A009931458F1}" type="datetimeFigureOut">
               <a:rPr lang="en-US" smtClean="0"/>
-              <a:t>7/14/2019</a:t>
+              <a:t>7/15/2019</a:t>
             </a:fld>
             <a:endParaRPr lang="en-US"/>
           </a:p>
@@ -2351,7 +2351,7 @@
           <a:p>
             <a:fld id="{840DBF2F-EA99-4041-8A07-A009931458F1}" type="datetimeFigureOut">
               <a:rPr lang="en-US" smtClean="0"/>
-              <a:t>7/14/2019</a:t>
+              <a:t>7/15/2019</a:t>
             </a:fld>
             <a:endParaRPr lang="en-US"/>
           </a:p>
@@ -2562,7 +2562,7 @@
           <a:p>
             <a:fld id="{840DBF2F-EA99-4041-8A07-A009931458F1}" type="datetimeFigureOut">
               <a:rPr lang="en-US" smtClean="0"/>
-              <a:t>7/14/2019</a:t>
+              <a:t>7/15/2019</a:t>
             </a:fld>
             <a:endParaRPr lang="en-US"/>
           </a:p>
@@ -7689,7 +7689,7 @@
         <p:spPr>
           <a:xfrm>
             <a:off x="115669" y="984069"/>
-            <a:ext cx="7256091" cy="3139321"/>
+            <a:ext cx="7256091" cy="3693319"/>
           </a:xfrm>
           <a:prstGeom prst="rect">
             <a:avLst/>
@@ -7816,6 +7816,133 @@
               <a:rPr lang="en-US" dirty="0"/>
               <a:t>="hero" class="name"&gt;{{hero.name}}&lt;/div&gt;</a:t>
             </a:r>
+          </a:p>
+          <a:p>
+            <a:pPr marL="1200150" lvl="2" indent="-285750">
+              <a:buFont typeface="Arial" panose="020B0604020202020204" pitchFamily="34" charset="0"/>
+              <a:buChar char="•"/>
+            </a:pPr>
+            <a:r>
+              <a:rPr lang="en-US" dirty="0"/>
+              <a:t>&lt;div *</a:t>
+            </a:r>
+            <a:r>
+              <a:rPr lang="en-US" dirty="0" err="1">
+                <a:hlinkClick r:id="rId4"/>
+              </a:rPr>
+              <a:t>ngIf</a:t>
+            </a:r>
+            <a:r>
+              <a:rPr lang="en-US" dirty="0"/>
+              <a:t>="condition; then </a:t>
+            </a:r>
+            <a:r>
+              <a:rPr lang="en-US" dirty="0" err="1"/>
+              <a:t>thenBlock</a:t>
+            </a:r>
+            <a:r>
+              <a:rPr lang="en-US" dirty="0"/>
+              <a:t> else </a:t>
+            </a:r>
+            <a:r>
+              <a:rPr lang="en-US" dirty="0" err="1"/>
+              <a:t>elseBlock</a:t>
+            </a:r>
+            <a:r>
+              <a:rPr lang="en-US" dirty="0"/>
+              <a:t>"&gt;&lt;/div&gt;</a:t>
+            </a:r>
+          </a:p>
+          <a:p>
+            <a:pPr marL="1200150" lvl="2" indent="-285750">
+              <a:buFont typeface="Arial" panose="020B0604020202020204" pitchFamily="34" charset="0"/>
+              <a:buChar char="•"/>
+            </a:pPr>
+            <a:r>
+              <a:rPr lang="en-IN" dirty="0"/>
+              <a:t>&lt;ng-template #</a:t>
+            </a:r>
+            <a:r>
+              <a:rPr lang="en-IN" dirty="0" err="1"/>
+              <a:t>thenBlock</a:t>
+            </a:r>
+            <a:r>
+              <a:rPr lang="en-IN" dirty="0"/>
+              <a:t>&gt;Then Content&lt;/ng-template&gt;</a:t>
+            </a:r>
+          </a:p>
+          <a:p>
+            <a:pPr marL="1200150" lvl="2" indent="-285750">
+              <a:buFont typeface="Arial" panose="020B0604020202020204" pitchFamily="34" charset="0"/>
+              <a:buChar char="•"/>
+            </a:pPr>
+            <a:r>
+              <a:rPr lang="en-IN" dirty="0"/>
+              <a:t>&lt;ng-template #</a:t>
+            </a:r>
+            <a:r>
+              <a:rPr lang="en-US" dirty="0"/>
+              <a:t> </a:t>
+            </a:r>
+            <a:r>
+              <a:rPr lang="en-US" dirty="0" err="1"/>
+              <a:t>elseBlock</a:t>
+            </a:r>
+            <a:r>
+              <a:rPr lang="en-US" dirty="0"/>
+              <a:t> </a:t>
+            </a:r>
+            <a:r>
+              <a:rPr lang="en-IN" dirty="0"/>
+              <a:t>&gt;Else Content&lt;/ng-template&gt;</a:t>
+            </a:r>
+            <a:endParaRPr lang="en-US" dirty="0"/>
+          </a:p>
+          <a:p>
+            <a:pPr marL="742950" lvl="1" indent="-285750">
+              <a:buFont typeface="Arial" panose="020B0604020202020204" pitchFamily="34" charset="0"/>
+              <a:buChar char="•"/>
+            </a:pPr>
+            <a:r>
+              <a:rPr lang="en-US" dirty="0">
+                <a:solidFill>
+                  <a:srgbClr val="000000"/>
+                </a:solidFill>
+                <a:ea typeface="Verdana" panose="020B0604030504040204" pitchFamily="34" charset="0"/>
+                <a:cs typeface="Verdana" panose="020B0604030504040204" pitchFamily="34" charset="0"/>
+              </a:rPr>
+              <a:t>*</a:t>
+            </a:r>
+            <a:r>
+              <a:rPr lang="en-US" dirty="0" err="1">
+                <a:solidFill>
+                  <a:srgbClr val="000000"/>
+                </a:solidFill>
+                <a:ea typeface="Verdana" panose="020B0604030504040204" pitchFamily="34" charset="0"/>
+                <a:cs typeface="Verdana" panose="020B0604030504040204" pitchFamily="34" charset="0"/>
+              </a:rPr>
+              <a:t>ngFor</a:t>
+            </a:r>
+            <a:r>
+              <a:rPr lang="en-US" dirty="0">
+                <a:solidFill>
+                  <a:srgbClr val="000000"/>
+                </a:solidFill>
+                <a:ea typeface="Verdana" panose="020B0604030504040204" pitchFamily="34" charset="0"/>
+                <a:cs typeface="Verdana" panose="020B0604030504040204" pitchFamily="34" charset="0"/>
+              </a:rPr>
+              <a:t> – index, </a:t>
+            </a:r>
+            <a:r>
+              <a:rPr lang="en-US" dirty="0" err="1">
+                <a:solidFill>
+                  <a:srgbClr val="000000"/>
+                </a:solidFill>
+                <a:ea typeface="Verdana" panose="020B0604030504040204" pitchFamily="34" charset="0"/>
+                <a:cs typeface="Verdana" panose="020B0604030504040204" pitchFamily="34" charset="0"/>
+              </a:rPr>
+              <a:t>trackBy</a:t>
+            </a:r>
             <a:endParaRPr lang="en-US" dirty="0">
               <a:solidFill>
                 <a:srgbClr val="000000"/>
@@ -7825,59 +7952,6 @@
             </a:endParaRPr>
           </a:p>
           <a:p>
-            <a:pPr marL="742950" lvl="1" indent="-285750">
-              <a:buFont typeface="Arial" panose="020B0604020202020204" pitchFamily="34" charset="0"/>
-              <a:buChar char="•"/>
-            </a:pPr>
-            <a:r>
-              <a:rPr lang="en-US" dirty="0">
-                <a:solidFill>
-                  <a:srgbClr val="000000"/>
-                </a:solidFill>
-                <a:ea typeface="Verdana" panose="020B0604030504040204" pitchFamily="34" charset="0"/>
-                <a:cs typeface="Verdana" panose="020B0604030504040204" pitchFamily="34" charset="0"/>
-              </a:rPr>
-              <a:t>*</a:t>
-            </a:r>
-            <a:r>
-              <a:rPr lang="en-US" dirty="0" err="1">
-                <a:solidFill>
-                  <a:srgbClr val="000000"/>
-                </a:solidFill>
-                <a:ea typeface="Verdana" panose="020B0604030504040204" pitchFamily="34" charset="0"/>
-                <a:cs typeface="Verdana" panose="020B0604030504040204" pitchFamily="34" charset="0"/>
-              </a:rPr>
-              <a:t>ngFor</a:t>
-            </a:r>
-            <a:r>
-              <a:rPr lang="en-US" dirty="0">
-                <a:solidFill>
-                  <a:srgbClr val="000000"/>
-                </a:solidFill>
-                <a:ea typeface="Verdana" panose="020B0604030504040204" pitchFamily="34" charset="0"/>
-                <a:cs typeface="Verdana" panose="020B0604030504040204" pitchFamily="34" charset="0"/>
-              </a:rPr>
-              <a:t> – index, </a:t>
-            </a:r>
-            <a:r>
-              <a:rPr lang="en-US" dirty="0" err="1">
-                <a:solidFill>
-                  <a:srgbClr val="000000"/>
-                </a:solidFill>
-                <a:ea typeface="Verdana" panose="020B0604030504040204" pitchFamily="34" charset="0"/>
-                <a:cs typeface="Verdana" panose="020B0604030504040204" pitchFamily="34" charset="0"/>
-              </a:rPr>
-              <a:t>trackBy</a:t>
-            </a:r>
-            <a:endParaRPr lang="en-US" dirty="0">
-              <a:solidFill>
-                <a:srgbClr val="000000"/>
-              </a:solidFill>
-              <a:ea typeface="Verdana" panose="020B0604030504040204" pitchFamily="34" charset="0"/>
-              <a:cs typeface="Verdana" panose="020B0604030504040204" pitchFamily="34" charset="0"/>
-            </a:endParaRPr>
-          </a:p>
-          <a:p>
             <a:pPr marL="1200150" lvl="2" indent="-285750">
               <a:buFont typeface="Arial" panose="020B0604020202020204" pitchFamily="34" charset="0"/>
               <a:buChar char="•"/>
@@ -7910,9 +7984,6 @@
               <a:rPr lang="en-IN" dirty="0"/>
               <a:t>	     &lt;/ul&gt;</a:t>
             </a:r>
-          </a:p>
-          <a:p>
-            <a:pPr lvl="1"/>
             <a:endParaRPr lang="en-US" dirty="0">
               <a:solidFill>
                 <a:srgbClr val="000000"/>
@@ -7970,8 +8041,8 @@
         </p:nvSpPr>
         <p:spPr>
           <a:xfrm>
-            <a:off x="6457361" y="943324"/>
-            <a:ext cx="5618970" cy="3693319"/>
+            <a:off x="7342844" y="900657"/>
+            <a:ext cx="4733487" cy="4247317"/>
           </a:xfrm>
           <a:prstGeom prst="rect">
             <a:avLst/>
@@ -8054,7 +8125,14 @@
             </a:r>
             <a:r>
               <a:rPr lang="en-IN" dirty="0"/>
-              <a:t>truthy expression’</a:t>
+              <a:t>truthy </a:t>
+            </a:r>
+          </a:p>
+          <a:p>
+            <a:pPr lvl="1"/>
+            <a:r>
+              <a:rPr lang="en-IN" dirty="0"/>
+              <a:t>expression’</a:t>
             </a:r>
             <a:r>
               <a:rPr lang="en-US" dirty="0">
@@ -8382,8 +8460,8 @@
         </p:nvSpPr>
         <p:spPr>
           <a:xfrm>
-            <a:off x="-88400" y="4110306"/>
-            <a:ext cx="11592422" cy="2031325"/>
+            <a:off x="115669" y="4626596"/>
+            <a:ext cx="11592422" cy="1754326"/>
           </a:xfrm>
           <a:prstGeom prst="rect">
             <a:avLst/>
@@ -8492,32 +8570,6 @@
             <a:r>
               <a:rPr lang="en-IN" dirty="0"/>
               <a:t>&lt;/div&gt;</a:t>
-            </a:r>
-          </a:p>
-          <a:p>
-            <a:pPr marL="742950" lvl="1" indent="-285750">
-              <a:buFont typeface="Arial" panose="020B0604020202020204" pitchFamily="34" charset="0"/>
-              <a:buChar char="•"/>
-            </a:pPr>
-            <a:r>
-              <a:rPr lang="en-IN" dirty="0" err="1">
-                <a:solidFill>
-                  <a:srgbClr val="000000"/>
-                </a:solidFill>
-                <a:ea typeface="Verdana" panose="020B0604030504040204" pitchFamily="34" charset="0"/>
-                <a:cs typeface="Verdana" panose="020B0604030504040204" pitchFamily="34" charset="0"/>
-              </a:rPr>
-              <a:t>ngIf</a:t>
-            </a:r>
-            <a:r>
-              <a:rPr lang="en-IN" dirty="0">
-                <a:solidFill>
-                  <a:srgbClr val="000000"/>
-                </a:solidFill>
-                <a:ea typeface="Verdana" panose="020B0604030504040204" pitchFamily="34" charset="0"/>
-                <a:cs typeface="Verdana" panose="020B0604030504040204" pitchFamily="34" charset="0"/>
-              </a:rPr>
-              <a:t> vs [hidden]</a:t>
             </a:r>
             <a:endParaRPr lang="en-US" dirty="0">
               <a:solidFill>

--- a/demo-ng/training-materials/Telliant - Web-Angular-Typescript.pptx
+++ b/demo-ng/training-materials/Telliant - Web-Angular-Typescript.pptx
@@ -11068,7 +11068,7 @@
           <a:p>
             <a:fld id="{840DBF2F-EA99-4041-8A07-A009931458F1}" type="datetimeFigureOut">
               <a:rPr lang="en-US" smtClean="0"/>
-              <a:t>7/18/2019</a:t>
+              <a:t>7/26/2019</a:t>
             </a:fld>
             <a:endParaRPr lang="en-US"/>
           </a:p>
@@ -11236,7 +11236,7 @@
           <a:p>
             <a:fld id="{840DBF2F-EA99-4041-8A07-A009931458F1}" type="datetimeFigureOut">
               <a:rPr lang="en-US" smtClean="0"/>
-              <a:t>7/18/2019</a:t>
+              <a:t>7/26/2019</a:t>
             </a:fld>
             <a:endParaRPr lang="en-US"/>
           </a:p>
@@ -11414,7 +11414,7 @@
           <a:p>
             <a:fld id="{840DBF2F-EA99-4041-8A07-A009931458F1}" type="datetimeFigureOut">
               <a:rPr lang="en-US" smtClean="0"/>
-              <a:t>7/18/2019</a:t>
+              <a:t>7/26/2019</a:t>
             </a:fld>
             <a:endParaRPr lang="en-US"/>
           </a:p>
@@ -11582,7 +11582,7 @@
           <a:p>
             <a:fld id="{840DBF2F-EA99-4041-8A07-A009931458F1}" type="datetimeFigureOut">
               <a:rPr lang="en-US" smtClean="0"/>
-              <a:t>7/18/2019</a:t>
+              <a:t>7/26/2019</a:t>
             </a:fld>
             <a:endParaRPr lang="en-US"/>
           </a:p>
@@ -11827,7 +11827,7 @@
           <a:p>
             <a:fld id="{840DBF2F-EA99-4041-8A07-A009931458F1}" type="datetimeFigureOut">
               <a:rPr lang="en-US" smtClean="0"/>
-              <a:t>7/18/2019</a:t>
+              <a:t>7/26/2019</a:t>
             </a:fld>
             <a:endParaRPr lang="en-US"/>
           </a:p>
@@ -12056,7 +12056,7 @@
           <a:p>
             <a:fld id="{840DBF2F-EA99-4041-8A07-A009931458F1}" type="datetimeFigureOut">
               <a:rPr lang="en-US" smtClean="0"/>
-              <a:t>7/18/2019</a:t>
+              <a:t>7/26/2019</a:t>
             </a:fld>
             <a:endParaRPr lang="en-US"/>
           </a:p>
@@ -12420,7 +12420,7 @@
           <a:p>
             <a:fld id="{840DBF2F-EA99-4041-8A07-A009931458F1}" type="datetimeFigureOut">
               <a:rPr lang="en-US" smtClean="0"/>
-              <a:t>7/18/2019</a:t>
+              <a:t>7/26/2019</a:t>
             </a:fld>
             <a:endParaRPr lang="en-US"/>
           </a:p>
@@ -12537,7 +12537,7 @@
           <a:p>
             <a:fld id="{840DBF2F-EA99-4041-8A07-A009931458F1}" type="datetimeFigureOut">
               <a:rPr lang="en-US" smtClean="0"/>
-              <a:t>7/18/2019</a:t>
+              <a:t>7/26/2019</a:t>
             </a:fld>
             <a:endParaRPr lang="en-US"/>
           </a:p>
@@ -12632,7 +12632,7 @@
           <a:p>
             <a:fld id="{840DBF2F-EA99-4041-8A07-A009931458F1}" type="datetimeFigureOut">
               <a:rPr lang="en-US" smtClean="0"/>
-              <a:t>7/18/2019</a:t>
+              <a:t>7/26/2019</a:t>
             </a:fld>
             <a:endParaRPr lang="en-US"/>
           </a:p>
@@ -12907,7 +12907,7 @@
           <a:p>
             <a:fld id="{840DBF2F-EA99-4041-8A07-A009931458F1}" type="datetimeFigureOut">
               <a:rPr lang="en-US" smtClean="0"/>
-              <a:t>7/18/2019</a:t>
+              <a:t>7/26/2019</a:t>
             </a:fld>
             <a:endParaRPr lang="en-US"/>
           </a:p>
@@ -13159,7 +13159,7 @@
           <a:p>
             <a:fld id="{840DBF2F-EA99-4041-8A07-A009931458F1}" type="datetimeFigureOut">
               <a:rPr lang="en-US" smtClean="0"/>
-              <a:t>7/18/2019</a:t>
+              <a:t>7/26/2019</a:t>
             </a:fld>
             <a:endParaRPr lang="en-US"/>
           </a:p>
@@ -13370,7 +13370,7 @@
           <a:p>
             <a:fld id="{840DBF2F-EA99-4041-8A07-A009931458F1}" type="datetimeFigureOut">
               <a:rPr lang="en-US" smtClean="0"/>
-              <a:t>7/18/2019</a:t>
+              <a:t>7/26/2019</a:t>
             </a:fld>
             <a:endParaRPr lang="en-US"/>
           </a:p>
@@ -20907,7 +20907,7 @@
                   <a:schemeClr val="bg1"/>
                 </a:solidFill>
               </a:rPr>
-              <a:t>Angular Components</a:t>
+              <a:t>Angular Forms</a:t>
             </a:r>
             <a:endParaRPr lang="en-US" dirty="0">
               <a:solidFill>
@@ -20927,12 +20927,90 @@
             <p:ph idx="1"/>
           </p:nvPr>
         </p:nvSpPr>
-        <p:spPr/>
+        <p:spPr>
+          <a:xfrm>
+            <a:off x="97970" y="1059270"/>
+            <a:ext cx="5693229" cy="5184775"/>
+          </a:xfrm>
+        </p:spPr>
         <p:txBody>
           <a:bodyPr/>
           <a:lstStyle/>
           <a:p>
-            <a:endParaRPr lang="en-US" dirty="0"/>
+            <a:pPr marL="0" indent="0">
+              <a:buNone/>
+            </a:pPr>
+            <a:r>
+              <a:rPr lang="en-US" b="1" dirty="0" smtClean="0"/>
+              <a:t>Template Driven</a:t>
+            </a:r>
+          </a:p>
+          <a:p>
+            <a:r>
+              <a:rPr lang="en-US" sz="1400" b="1" dirty="0"/>
+              <a:t>import {</a:t>
+            </a:r>
+            <a:r>
+              <a:rPr lang="en-US" sz="1400" b="1" dirty="0" err="1" smtClean="0"/>
+              <a:t>Fo</a:t>
+            </a:r>
+            <a:r>
+              <a:rPr lang="en-US" sz="1400" b="1" dirty="0" smtClean="0"/>
+              <a:t>	</a:t>
+            </a:r>
+            <a:r>
+              <a:rPr lang="en-US" sz="1400" b="1" dirty="0" err="1" smtClean="0"/>
+              <a:t>rmsModule</a:t>
+            </a:r>
+            <a:r>
+              <a:rPr lang="en-US" sz="1400" b="1" dirty="0"/>
+              <a:t>} from '@angular/forms</a:t>
+            </a:r>
+            <a:r>
+              <a:rPr lang="en-US" sz="1400" b="1" dirty="0" smtClean="0"/>
+              <a:t>';</a:t>
+            </a:r>
+          </a:p>
+          <a:p>
+            <a:r>
+              <a:rPr lang="en-US" sz="1400" b="1" dirty="0"/>
+              <a:t>&lt;form #</a:t>
+            </a:r>
+            <a:r>
+              <a:rPr lang="en-US" sz="1400" b="1" dirty="0" err="1" smtClean="0"/>
+              <a:t>formData</a:t>
+            </a:r>
+            <a:r>
+              <a:rPr lang="en-US" sz="1400" b="1" dirty="0" smtClean="0"/>
+              <a:t>="</a:t>
+            </a:r>
+            <a:r>
+              <a:rPr lang="en-US" sz="1400" b="1" dirty="0" err="1"/>
+              <a:t>ngForm</a:t>
+            </a:r>
+            <a:r>
+              <a:rPr lang="en-US" sz="1400" b="1" dirty="0"/>
+              <a:t>"&gt; ... &lt;/form</a:t>
+            </a:r>
+            <a:r>
+              <a:rPr lang="en-US" sz="1400" b="1" dirty="0" smtClean="0"/>
+              <a:t>&gt;</a:t>
+            </a:r>
+          </a:p>
+          <a:p>
+            <a:r>
+              <a:rPr lang="en-US" sz="1400" b="1" dirty="0" err="1" smtClean="0"/>
+              <a:t>ngModel</a:t>
+            </a:r>
+            <a:r>
+              <a:rPr lang="en-US" sz="1400" b="1" dirty="0" smtClean="0"/>
+              <a:t> &amp; </a:t>
+            </a:r>
+            <a:r>
+              <a:rPr lang="en-US" sz="1400" b="1" dirty="0" err="1" smtClean="0"/>
+              <a:t>ngModelGroup</a:t>
+            </a:r>
+            <a:endParaRPr lang="en-US" sz="1400" b="1" dirty="0"/>
           </a:p>
         </p:txBody>
       </p:sp>
@@ -20946,8 +21024,8 @@
         </p:nvSpPr>
         <p:spPr>
           <a:xfrm>
-            <a:off x="6923313" y="1136469"/>
-            <a:ext cx="4580709" cy="5338354"/>
+            <a:off x="6348549" y="1136469"/>
+            <a:ext cx="5155473" cy="5338354"/>
           </a:xfrm>
           <a:prstGeom prst="rect">
             <a:avLst/>
@@ -21220,6 +21298,240 @@
               <a:effectLst/>
               <a:latin typeface="Arial" panose="020B0604020202020204" pitchFamily="34" charset="0"/>
             </a:endParaRPr>
+          </a:p>
+        </p:txBody>
+      </p:sp>
+      <p:sp>
+        <p:nvSpPr>
+          <p:cNvPr id="7" name="Content Placeholder 1"/>
+          <p:cNvSpPr txBox="1">
+            <a:spLocks/>
+          </p:cNvSpPr>
+          <p:nvPr/>
+        </p:nvSpPr>
+        <p:spPr>
+          <a:xfrm>
+            <a:off x="6217918" y="1059269"/>
+            <a:ext cx="5547361" cy="5184775"/>
+          </a:xfrm>
+          <a:prstGeom prst="rect">
+            <a:avLst/>
+          </a:prstGeom>
+        </p:spPr>
+        <p:txBody>
+          <a:bodyPr vert="horz" lIns="91440" tIns="45720" rIns="91440" bIns="45720" rtlCol="0">
+            <a:normAutofit/>
+          </a:bodyPr>
+          <a:lstStyle>
+            <a:lvl1pPr marL="228600" indent="-228600" algn="l" defTabSz="914400" rtl="0" eaLnBrk="1" latinLnBrk="0" hangingPunct="1">
+              <a:lnSpc>
+                <a:spcPct val="90000"/>
+              </a:lnSpc>
+              <a:spcBef>
+                <a:spcPts val="1000"/>
+              </a:spcBef>
+              <a:buFont typeface="Arial" panose="020B0604020202020204" pitchFamily="34" charset="0"/>
+              <a:buChar char="•"/>
+              <a:defRPr sz="2800" kern="1200">
+                <a:solidFill>
+                  <a:schemeClr val="tx1"/>
+                </a:solidFill>
+                <a:latin typeface="+mn-lt"/>
+                <a:ea typeface="+mn-ea"/>
+                <a:cs typeface="+mn-cs"/>
+              </a:defRPr>
+            </a:lvl1pPr>
+            <a:lvl2pPr marL="685800" indent="-228600" algn="l" defTabSz="914400" rtl="0" eaLnBrk="1" latinLnBrk="0" hangingPunct="1">
+              <a:lnSpc>
+                <a:spcPct val="90000"/>
+              </a:lnSpc>
+              <a:spcBef>
+                <a:spcPts val="500"/>
+              </a:spcBef>
+              <a:buFont typeface="Arial" panose="020B0604020202020204" pitchFamily="34" charset="0"/>
+              <a:buChar char="•"/>
+              <a:defRPr sz="2400" kern="1200">
+                <a:solidFill>
+                  <a:schemeClr val="tx1"/>
+                </a:solidFill>
+                <a:latin typeface="+mn-lt"/>
+                <a:ea typeface="+mn-ea"/>
+                <a:cs typeface="+mn-cs"/>
+              </a:defRPr>
+            </a:lvl2pPr>
+            <a:lvl3pPr marL="1143000" indent="-228600" algn="l" defTabSz="914400" rtl="0" eaLnBrk="1" latinLnBrk="0" hangingPunct="1">
+              <a:lnSpc>
+                <a:spcPct val="90000"/>
+              </a:lnSpc>
+              <a:spcBef>
+                <a:spcPts val="500"/>
+              </a:spcBef>
+              <a:buFont typeface="Arial" panose="020B0604020202020204" pitchFamily="34" charset="0"/>
+              <a:buChar char="•"/>
+              <a:defRPr sz="2000" kern="1200">
+                <a:solidFill>
+                  <a:schemeClr val="tx1"/>
+                </a:solidFill>
+                <a:latin typeface="+mn-lt"/>
+                <a:ea typeface="+mn-ea"/>
+                <a:cs typeface="+mn-cs"/>
+              </a:defRPr>
+            </a:lvl3pPr>
+            <a:lvl4pPr marL="1600200" indent="-228600" algn="l" defTabSz="914400" rtl="0" eaLnBrk="1" latinLnBrk="0" hangingPunct="1">
+              <a:lnSpc>
+                <a:spcPct val="90000"/>
+              </a:lnSpc>
+              <a:spcBef>
+                <a:spcPts val="500"/>
+              </a:spcBef>
+              <a:buFont typeface="Arial" panose="020B0604020202020204" pitchFamily="34" charset="0"/>
+              <a:buChar char="•"/>
+              <a:defRPr sz="1800" kern="1200">
+                <a:solidFill>
+                  <a:schemeClr val="tx1"/>
+                </a:solidFill>
+                <a:latin typeface="+mn-lt"/>
+                <a:ea typeface="+mn-ea"/>
+                <a:cs typeface="+mn-cs"/>
+              </a:defRPr>
+            </a:lvl4pPr>
+            <a:lvl5pPr marL="2057400" indent="-228600" algn="l" defTabSz="914400" rtl="0" eaLnBrk="1" latinLnBrk="0" hangingPunct="1">
+              <a:lnSpc>
+                <a:spcPct val="90000"/>
+              </a:lnSpc>
+              <a:spcBef>
+                <a:spcPts val="500"/>
+              </a:spcBef>
+              <a:buFont typeface="Arial" panose="020B0604020202020204" pitchFamily="34" charset="0"/>
+              <a:buChar char="•"/>
+              <a:defRPr sz="1800" kern="1200">
+                <a:solidFill>
+                  <a:schemeClr val="tx1"/>
+                </a:solidFill>
+                <a:latin typeface="+mn-lt"/>
+                <a:ea typeface="+mn-ea"/>
+                <a:cs typeface="+mn-cs"/>
+              </a:defRPr>
+            </a:lvl5pPr>
+            <a:lvl6pPr marL="2514600" indent="-228600" algn="l" defTabSz="914400" rtl="0" eaLnBrk="1" latinLnBrk="0" hangingPunct="1">
+              <a:lnSpc>
+                <a:spcPct val="90000"/>
+              </a:lnSpc>
+              <a:spcBef>
+                <a:spcPts val="500"/>
+              </a:spcBef>
+              <a:buFont typeface="Arial" panose="020B0604020202020204" pitchFamily="34" charset="0"/>
+              <a:buChar char="•"/>
+              <a:defRPr sz="1800" kern="1200">
+                <a:solidFill>
+                  <a:schemeClr val="tx1"/>
+                </a:solidFill>
+                <a:latin typeface="+mn-lt"/>
+                <a:ea typeface="+mn-ea"/>
+                <a:cs typeface="+mn-cs"/>
+              </a:defRPr>
+            </a:lvl6pPr>
+            <a:lvl7pPr marL="2971800" indent="-228600" algn="l" defTabSz="914400" rtl="0" eaLnBrk="1" latinLnBrk="0" hangingPunct="1">
+              <a:lnSpc>
+                <a:spcPct val="90000"/>
+              </a:lnSpc>
+              <a:spcBef>
+                <a:spcPts val="500"/>
+              </a:spcBef>
+              <a:buFont typeface="Arial" panose="020B0604020202020204" pitchFamily="34" charset="0"/>
+              <a:buChar char="•"/>
+              <a:defRPr sz="1800" kern="1200">
+                <a:solidFill>
+                  <a:schemeClr val="tx1"/>
+                </a:solidFill>
+                <a:latin typeface="+mn-lt"/>
+                <a:ea typeface="+mn-ea"/>
+                <a:cs typeface="+mn-cs"/>
+              </a:defRPr>
+            </a:lvl7pPr>
+            <a:lvl8pPr marL="3429000" indent="-228600" algn="l" defTabSz="914400" rtl="0" eaLnBrk="1" latinLnBrk="0" hangingPunct="1">
+              <a:lnSpc>
+                <a:spcPct val="90000"/>
+              </a:lnSpc>
+              <a:spcBef>
+                <a:spcPts val="500"/>
+              </a:spcBef>
+              <a:buFont typeface="Arial" panose="020B0604020202020204" pitchFamily="34" charset="0"/>
+              <a:buChar char="•"/>
+              <a:defRPr sz="1800" kern="1200">
+                <a:solidFill>
+                  <a:schemeClr val="tx1"/>
+                </a:solidFill>
+                <a:latin typeface="+mn-lt"/>
+                <a:ea typeface="+mn-ea"/>
+                <a:cs typeface="+mn-cs"/>
+              </a:defRPr>
+            </a:lvl8pPr>
+            <a:lvl9pPr marL="3886200" indent="-228600" algn="l" defTabSz="914400" rtl="0" eaLnBrk="1" latinLnBrk="0" hangingPunct="1">
+              <a:lnSpc>
+                <a:spcPct val="90000"/>
+              </a:lnSpc>
+              <a:spcBef>
+                <a:spcPts val="500"/>
+              </a:spcBef>
+              <a:buFont typeface="Arial" panose="020B0604020202020204" pitchFamily="34" charset="0"/>
+              <a:buChar char="•"/>
+              <a:defRPr sz="1800" kern="1200">
+                <a:solidFill>
+                  <a:schemeClr val="tx1"/>
+                </a:solidFill>
+                <a:latin typeface="+mn-lt"/>
+                <a:ea typeface="+mn-ea"/>
+                <a:cs typeface="+mn-cs"/>
+              </a:defRPr>
+            </a:lvl9pPr>
+          </a:lstStyle>
+          <a:p>
+            <a:pPr marL="0" indent="0">
+              <a:buFont typeface="Arial" panose="020B0604020202020204" pitchFamily="34" charset="0"/>
+              <a:buNone/>
+            </a:pPr>
+            <a:r>
+              <a:rPr lang="en-US" b="1" dirty="0" smtClean="0"/>
+              <a:t>Reactive/ Model Driven</a:t>
+            </a:r>
+          </a:p>
+          <a:p>
+            <a:r>
+              <a:rPr lang="en-US" sz="1400" b="1" dirty="0" smtClean="0"/>
+              <a:t>import {</a:t>
+            </a:r>
+            <a:r>
+              <a:rPr lang="en-US" sz="1400" b="1" dirty="0" err="1" smtClean="0"/>
+              <a:t>ReactiveFormsModule</a:t>
+            </a:r>
+            <a:r>
+              <a:rPr lang="en-US" sz="1400" b="1" dirty="0" smtClean="0"/>
+              <a:t>} from '@angular/forms';</a:t>
+            </a:r>
+          </a:p>
+          <a:p>
+            <a:r>
+              <a:rPr lang="en-US" sz="1400" b="1" dirty="0" err="1" smtClean="0"/>
+              <a:t>FormControl</a:t>
+            </a:r>
+            <a:r>
+              <a:rPr lang="en-US" sz="1400" b="1" dirty="0" smtClean="0"/>
+              <a:t>, </a:t>
+            </a:r>
+            <a:r>
+              <a:rPr lang="en-US" sz="1400" b="1" dirty="0" err="1" smtClean="0"/>
+              <a:t>FormGroup</a:t>
+            </a:r>
+            <a:r>
+              <a:rPr lang="en-US" sz="1400" b="1" dirty="0" smtClean="0"/>
+              <a:t> &amp; </a:t>
+            </a:r>
+            <a:r>
+              <a:rPr lang="en-US" sz="1400" b="1" dirty="0" err="1" smtClean="0"/>
+              <a:t>FormBuilder</a:t>
+            </a:r>
+            <a:endParaRPr lang="en-US" sz="1400" b="1" dirty="0"/>
           </a:p>
         </p:txBody>
       </p:sp>
